--- a/fair-maml.pptx
+++ b/fair-maml.pptx
@@ -106,7 +106,7 @@
   </p:defaultTextStyle>
   <p:extLst>
     <p:ext uri="{EFAFB233-063F-42B5-8137-9DF3F51BA10A}">
-      <p15:sldGuideLst xmlns="" xmlns:p15="http://schemas.microsoft.com/office/powerpoint/2012/main"/>
+      <p15:sldGuideLst xmlns:p15="http://schemas.microsoft.com/office/powerpoint/2012/main" xmlns=""/>
     </p:ext>
   </p:extLst>
 </p:presentation>
@@ -243,7 +243,7 @@
           <a:p>
             <a:fld id="{3510B498-9D4D-4FAD-891F-E57FF8B5A028}" type="datetimeFigureOut">
               <a:rPr lang="en-US" smtClean="0"/>
-              <a:t>11/24/19</a:t>
+              <a:t>11/28/19</a:t>
             </a:fld>
             <a:endParaRPr lang="en-US"/>
           </a:p>
@@ -413,7 +413,7 @@
           <a:p>
             <a:fld id="{3510B498-9D4D-4FAD-891F-E57FF8B5A028}" type="datetimeFigureOut">
               <a:rPr lang="en-US" smtClean="0"/>
-              <a:t>11/24/19</a:t>
+              <a:t>11/28/19</a:t>
             </a:fld>
             <a:endParaRPr lang="en-US"/>
           </a:p>
@@ -593,7 +593,7 @@
           <a:p>
             <a:fld id="{3510B498-9D4D-4FAD-891F-E57FF8B5A028}" type="datetimeFigureOut">
               <a:rPr lang="en-US" smtClean="0"/>
-              <a:t>11/24/19</a:t>
+              <a:t>11/28/19</a:t>
             </a:fld>
             <a:endParaRPr lang="en-US"/>
           </a:p>
@@ -763,7 +763,7 @@
           <a:p>
             <a:fld id="{3510B498-9D4D-4FAD-891F-E57FF8B5A028}" type="datetimeFigureOut">
               <a:rPr lang="en-US" smtClean="0"/>
-              <a:t>11/24/19</a:t>
+              <a:t>11/28/19</a:t>
             </a:fld>
             <a:endParaRPr lang="en-US"/>
           </a:p>
@@ -1007,7 +1007,7 @@
           <a:p>
             <a:fld id="{3510B498-9D4D-4FAD-891F-E57FF8B5A028}" type="datetimeFigureOut">
               <a:rPr lang="en-US" smtClean="0"/>
-              <a:t>11/24/19</a:t>
+              <a:t>11/28/19</a:t>
             </a:fld>
             <a:endParaRPr lang="en-US"/>
           </a:p>
@@ -1239,7 +1239,7 @@
           <a:p>
             <a:fld id="{3510B498-9D4D-4FAD-891F-E57FF8B5A028}" type="datetimeFigureOut">
               <a:rPr lang="en-US" smtClean="0"/>
-              <a:t>11/24/19</a:t>
+              <a:t>11/28/19</a:t>
             </a:fld>
             <a:endParaRPr lang="en-US"/>
           </a:p>
@@ -1606,7 +1606,7 @@
           <a:p>
             <a:fld id="{3510B498-9D4D-4FAD-891F-E57FF8B5A028}" type="datetimeFigureOut">
               <a:rPr lang="en-US" smtClean="0"/>
-              <a:t>11/24/19</a:t>
+              <a:t>11/28/19</a:t>
             </a:fld>
             <a:endParaRPr lang="en-US"/>
           </a:p>
@@ -1724,7 +1724,7 @@
           <a:p>
             <a:fld id="{3510B498-9D4D-4FAD-891F-E57FF8B5A028}" type="datetimeFigureOut">
               <a:rPr lang="en-US" smtClean="0"/>
-              <a:t>11/24/19</a:t>
+              <a:t>11/28/19</a:t>
             </a:fld>
             <a:endParaRPr lang="en-US"/>
           </a:p>
@@ -1819,7 +1819,7 @@
           <a:p>
             <a:fld id="{3510B498-9D4D-4FAD-891F-E57FF8B5A028}" type="datetimeFigureOut">
               <a:rPr lang="en-US" smtClean="0"/>
-              <a:t>11/24/19</a:t>
+              <a:t>11/28/19</a:t>
             </a:fld>
             <a:endParaRPr lang="en-US"/>
           </a:p>
@@ -2096,7 +2096,7 @@
           <a:p>
             <a:fld id="{3510B498-9D4D-4FAD-891F-E57FF8B5A028}" type="datetimeFigureOut">
               <a:rPr lang="en-US" smtClean="0"/>
-              <a:t>11/24/19</a:t>
+              <a:t>11/28/19</a:t>
             </a:fld>
             <a:endParaRPr lang="en-US"/>
           </a:p>
@@ -2353,7 +2353,7 @@
           <a:p>
             <a:fld id="{3510B498-9D4D-4FAD-891F-E57FF8B5A028}" type="datetimeFigureOut">
               <a:rPr lang="en-US" smtClean="0"/>
-              <a:t>11/24/19</a:t>
+              <a:t>11/28/19</a:t>
             </a:fld>
             <a:endParaRPr lang="en-US"/>
           </a:p>
@@ -2566,7 +2566,7 @@
           <a:p>
             <a:fld id="{3510B498-9D4D-4FAD-891F-E57FF8B5A028}" type="datetimeFigureOut">
               <a:rPr lang="en-US" smtClean="0"/>
-              <a:t>11/24/19</a:t>
+              <a:t>11/28/19</a:t>
             </a:fld>
             <a:endParaRPr lang="en-US"/>
           </a:p>
@@ -2976,7 +2976,7 @@
           <p:cNvPr id="11" name="Rectangle 10">
             <a:extLst>
               <a:ext uri="{FF2B5EF4-FFF2-40B4-BE49-F238E27FC236}">
-                <a16:creationId xmlns="" xmlns:a16="http://schemas.microsoft.com/office/drawing/2014/main" id="{0D074D9C-0647-4697-8C43-9C38EB7E0278}"/>
+                <a16:creationId xmlns:a16="http://schemas.microsoft.com/office/drawing/2014/main" xmlns="" id="{0D074D9C-0647-4697-8C43-9C38EB7E0278}"/>
               </a:ext>
             </a:extLst>
           </p:cNvPr>
@@ -3028,7 +3028,7 @@
           <p:cNvPr id="5" name="TextBox 4">
             <a:extLst>
               <a:ext uri="{FF2B5EF4-FFF2-40B4-BE49-F238E27FC236}">
-                <a16:creationId xmlns="" xmlns:a16="http://schemas.microsoft.com/office/drawing/2014/main" id="{F98AF760-C359-4592-BF1F-0C7A94DA9F89}"/>
+                <a16:creationId xmlns:a16="http://schemas.microsoft.com/office/drawing/2014/main" xmlns="" id="{F98AF760-C359-4592-BF1F-0C7A94DA9F89}"/>
               </a:ext>
             </a:extLst>
           </p:cNvPr>
@@ -3037,8 +3037,8 @@
         </p:nvSpPr>
         <p:spPr>
           <a:xfrm>
-            <a:off x="1643044" y="11757646"/>
-            <a:ext cx="11818956" cy="14028456"/>
+            <a:off x="863600" y="10640046"/>
+            <a:ext cx="13716000" cy="20454830"/>
           </a:xfrm>
           <a:prstGeom prst="rect">
             <a:avLst/>
@@ -3092,55 +3092,16 @@
                 <a:latin typeface="Lato" panose="020F0502020204030203" pitchFamily="34" charset="0"/>
                 <a:cs typeface="Arial" panose="020B0604020202020204" pitchFamily="34" charset="0"/>
               </a:rPr>
-              <a:t>Minor </a:t>
+              <a:t>Minor changes in test distribution can have significant effects on fairness (see Fairness Warnings).  How can we train a model that copes</a:t>
             </a:r>
             <a:r>
               <a:rPr lang="en-US" sz="4800" dirty="0" smtClean="0">
                 <a:latin typeface="Lato" panose="020F0502020204030203" pitchFamily="34" charset="0"/>
                 <a:cs typeface="Arial" panose="020B0604020202020204" pitchFamily="34" charset="0"/>
               </a:rPr>
-              <a:t>changes in </a:t>
-            </a:r>
-            <a:r>
-              <a:rPr lang="en-US" sz="4800" dirty="0" smtClean="0">
-                <a:latin typeface="Lato" panose="020F0502020204030203" pitchFamily="34" charset="0"/>
-                <a:cs typeface="Arial" panose="020B0604020202020204" pitchFamily="34" charset="0"/>
-              </a:rPr>
-              <a:t>test </a:t>
-            </a:r>
-            <a:r>
-              <a:rPr lang="en-US" sz="4800" dirty="0" smtClean="0">
-                <a:latin typeface="Lato" panose="020F0502020204030203" pitchFamily="34" charset="0"/>
-                <a:cs typeface="Arial" panose="020B0604020202020204" pitchFamily="34" charset="0"/>
-              </a:rPr>
-              <a:t>distribution can </a:t>
-            </a:r>
-            <a:r>
-              <a:rPr lang="en-US" sz="4800" dirty="0" smtClean="0">
-                <a:latin typeface="Lato" panose="020F0502020204030203" pitchFamily="34" charset="0"/>
-                <a:cs typeface="Arial" panose="020B0604020202020204" pitchFamily="34" charset="0"/>
-              </a:rPr>
-              <a:t>have significant effects on </a:t>
-            </a:r>
-            <a:r>
-              <a:rPr lang="en-US" sz="4800" dirty="0" smtClean="0">
-                <a:latin typeface="Lato" panose="020F0502020204030203" pitchFamily="34" charset="0"/>
-                <a:cs typeface="Arial" panose="020B0604020202020204" pitchFamily="34" charset="0"/>
-              </a:rPr>
-              <a:t>fairness (see Fairness Warnings).  How can we train a model that copes?</a:t>
-            </a:r>
-            <a:endParaRPr lang="en-US" sz="4800" dirty="0" smtClean="0">
-              <a:latin typeface="Lato" panose="020F0502020204030203" pitchFamily="34" charset="0"/>
-              <a:cs typeface="Arial" panose="020B0604020202020204" pitchFamily="34" charset="0"/>
-            </a:endParaRPr>
-          </a:p>
-          <a:p>
-            <a:pPr>
-              <a:lnSpc>
-                <a:spcPct val="120000"/>
-              </a:lnSpc>
-            </a:pPr>
-            <a:endParaRPr lang="en-US" sz="3600" b="1" dirty="0" smtClean="0">
+              <a:t>?</a:t>
+            </a:r>
+            <a:endParaRPr lang="en-US" b="1" dirty="0" smtClean="0">
               <a:solidFill>
                 <a:srgbClr val="7CC6FE"/>
               </a:solidFill>
@@ -3199,42 +3160,14 @@
                 <a:latin typeface="Lato Black" panose="020F0A02020204030203" pitchFamily="34" charset="0"/>
                 <a:cs typeface="Arial" panose="020B0604020202020204" pitchFamily="34" charset="0"/>
               </a:rPr>
-              <a:t>meta</a:t>
-            </a:r>
-            <a:r>
-              <a:rPr lang="en-US" sz="4800" i="1" dirty="0" smtClean="0">
-                <a:latin typeface="Lato Black" panose="020F0A02020204030203" pitchFamily="34" charset="0"/>
-                <a:cs typeface="Arial" panose="020B0604020202020204" pitchFamily="34" charset="0"/>
-              </a:rPr>
-              <a:t>-model </a:t>
+              <a:t>meta-model </a:t>
             </a:r>
             <a:r>
               <a:rPr lang="en-US" sz="4800" dirty="0" smtClean="0">
                 <a:latin typeface="Lato Black" panose="020F0A02020204030203" pitchFamily="34" charset="0"/>
                 <a:cs typeface="Arial" panose="020B0604020202020204" pitchFamily="34" charset="0"/>
               </a:rPr>
-              <a:t>that contains general features </a:t>
-            </a:r>
-            <a:r>
-              <a:rPr lang="en-US" sz="4800" dirty="0" smtClean="0">
-                <a:latin typeface="Lato Black" panose="020F0A02020204030203" pitchFamily="34" charset="0"/>
-                <a:cs typeface="Arial" panose="020B0604020202020204" pitchFamily="34" charset="0"/>
-              </a:rPr>
-              <a:t>relating </a:t>
-            </a:r>
-            <a:r>
-              <a:rPr lang="en-US" sz="4800" dirty="0" smtClean="0">
-                <a:latin typeface="Lato Black" panose="020F0A02020204030203" pitchFamily="34" charset="0"/>
-                <a:cs typeface="Arial" panose="020B0604020202020204" pitchFamily="34" charset="0"/>
-              </a:rPr>
-              <a:t>to </a:t>
-            </a:r>
-            <a:r>
-              <a:rPr lang="en-US" sz="4800" dirty="0" smtClean="0">
-                <a:latin typeface="Lato Black" panose="020F0A02020204030203" pitchFamily="34" charset="0"/>
-                <a:cs typeface="Arial" panose="020B0604020202020204" pitchFamily="34" charset="0"/>
-              </a:rPr>
-              <a:t>both fairness and accuracy using </a:t>
+              <a:t>that contains general features relating to both fairness and accuracy using </a:t>
             </a:r>
             <a:r>
               <a:rPr lang="en-US" sz="4800" i="1" dirty="0" smtClean="0">
@@ -3248,41 +3181,148 @@
                 <a:latin typeface="Lato Black" panose="020F0A02020204030203" pitchFamily="34" charset="0"/>
                 <a:cs typeface="Arial" panose="020B0604020202020204" pitchFamily="34" charset="0"/>
               </a:rPr>
-              <a:t>with added fairness objective (Fair-MAML)</a:t>
-            </a:r>
+              <a:t>with added fairness objective (Fair-MAML).  </a:t>
+            </a:r>
+            <a:endParaRPr lang="en-US" sz="4800" dirty="0">
+              <a:latin typeface="Lato Black" panose="020F0A02020204030203" pitchFamily="34" charset="0"/>
+              <a:cs typeface="Arial" panose="020B0604020202020204" pitchFamily="34" charset="0"/>
+            </a:endParaRPr>
+          </a:p>
+          <a:p>
+            <a:pPr marL="685800" indent="-685800">
+              <a:lnSpc>
+                <a:spcPct val="120000"/>
+              </a:lnSpc>
+              <a:buFont typeface="Arial"/>
+              <a:buChar char="•"/>
+            </a:pPr>
             <a:r>
               <a:rPr lang="en-US" sz="4800" dirty="0" smtClean="0">
                 <a:latin typeface="Lato Black" panose="020F0A02020204030203" pitchFamily="34" charset="0"/>
                 <a:cs typeface="Arial" panose="020B0604020202020204" pitchFamily="34" charset="0"/>
               </a:rPr>
-              <a:t>.  </a:t>
-            </a:r>
-            <a:endParaRPr lang="en-US" sz="4800" dirty="0">
-              <a:latin typeface="Lato Black" panose="020F0A02020204030203" pitchFamily="34" charset="0"/>
-              <a:cs typeface="Arial" panose="020B0604020202020204" pitchFamily="34" charset="0"/>
-            </a:endParaRPr>
-          </a:p>
-          <a:p>
-            <a:pPr marL="685800" indent="-685800">
-              <a:lnSpc>
-                <a:spcPct val="120000"/>
-              </a:lnSpc>
-              <a:buFont typeface="Arial"/>
-              <a:buChar char="•"/>
-            </a:pPr>
+              <a:t>Fair-MAML can be fine-tuned to new fairness tests to achieve high degrees of accuracy with minimal data</a:t>
+            </a:r>
             <a:r>
               <a:rPr lang="en-US" sz="4800" dirty="0" smtClean="0">
                 <a:latin typeface="Lato Black" panose="020F0A02020204030203" pitchFamily="34" charset="0"/>
                 <a:cs typeface="Arial" panose="020B0604020202020204" pitchFamily="34" charset="0"/>
               </a:rPr>
-              <a:t>Fair-MAML can be fine-tuned to new fairness tests to achieve high degrees of accuracy with minimal data.</a:t>
-            </a:r>
+              <a:t>.</a:t>
+            </a:r>
+          </a:p>
+          <a:p>
+            <a:pPr marL="685800" indent="-685800">
+              <a:lnSpc>
+                <a:spcPct val="120000"/>
+              </a:lnSpc>
+              <a:buFont typeface="Arial"/>
+              <a:buChar char="•"/>
+            </a:pPr>
+            <a:endParaRPr lang="en-US" sz="4800" dirty="0">
+              <a:latin typeface="Lato Black" panose="020F0A02020204030203" pitchFamily="34" charset="0"/>
+              <a:cs typeface="Arial" panose="020B0604020202020204" pitchFamily="34" charset="0"/>
+            </a:endParaRPr>
+          </a:p>
+          <a:p>
+            <a:pPr marL="685800" indent="-685800">
+              <a:lnSpc>
+                <a:spcPct val="120000"/>
+              </a:lnSpc>
+              <a:buFont typeface="Arial"/>
+              <a:buChar char="•"/>
+            </a:pPr>
             <a:endParaRPr lang="en-US" sz="4800" dirty="0" smtClean="0">
               <a:latin typeface="Lato Black" panose="020F0A02020204030203" pitchFamily="34" charset="0"/>
               <a:cs typeface="Arial" panose="020B0604020202020204" pitchFamily="34" charset="0"/>
             </a:endParaRPr>
           </a:p>
           <a:p>
+            <a:pPr marL="685800" indent="-685800">
+              <a:lnSpc>
+                <a:spcPct val="120000"/>
+              </a:lnSpc>
+              <a:buFont typeface="Arial"/>
+              <a:buChar char="•"/>
+            </a:pPr>
+            <a:endParaRPr lang="en-US" sz="4800" dirty="0">
+              <a:latin typeface="Lato Black" panose="020F0A02020204030203" pitchFamily="34" charset="0"/>
+              <a:cs typeface="Arial" panose="020B0604020202020204" pitchFamily="34" charset="0"/>
+            </a:endParaRPr>
+          </a:p>
+          <a:p>
+            <a:pPr marL="685800" indent="-685800">
+              <a:lnSpc>
+                <a:spcPct val="120000"/>
+              </a:lnSpc>
+              <a:buFont typeface="Arial"/>
+              <a:buChar char="•"/>
+            </a:pPr>
+            <a:endParaRPr lang="en-US" sz="4800" dirty="0" smtClean="0">
+              <a:latin typeface="Lato Black" panose="020F0A02020204030203" pitchFamily="34" charset="0"/>
+              <a:cs typeface="Arial" panose="020B0604020202020204" pitchFamily="34" charset="0"/>
+            </a:endParaRPr>
+          </a:p>
+          <a:p>
+            <a:pPr>
+              <a:lnSpc>
+                <a:spcPct val="120000"/>
+              </a:lnSpc>
+            </a:pPr>
+            <a:endParaRPr lang="en-US" sz="4800" dirty="0" smtClean="0">
+              <a:latin typeface="Lato Black" panose="020F0A02020204030203" pitchFamily="34" charset="0"/>
+              <a:cs typeface="Arial" panose="020B0604020202020204" pitchFamily="34" charset="0"/>
+            </a:endParaRPr>
+          </a:p>
+          <a:p>
+            <a:pPr>
+              <a:lnSpc>
+                <a:spcPct val="120000"/>
+              </a:lnSpc>
+            </a:pPr>
+            <a:endParaRPr lang="en-US" sz="4800" dirty="0" smtClean="0">
+              <a:latin typeface="Lato Black" panose="020F0A02020204030203" pitchFamily="34" charset="0"/>
+              <a:cs typeface="Arial" panose="020B0604020202020204" pitchFamily="34" charset="0"/>
+            </a:endParaRPr>
+          </a:p>
+          <a:p>
+            <a:pPr>
+              <a:lnSpc>
+                <a:spcPct val="120000"/>
+              </a:lnSpc>
+            </a:pPr>
+            <a:r>
+              <a:rPr lang="en-US" sz="4800" b="1" dirty="0" smtClean="0">
+                <a:solidFill>
+                  <a:srgbClr val="7CC6FE"/>
+                </a:solidFill>
+                <a:latin typeface="Lato Black" panose="020F0A02020204030203" pitchFamily="34" charset="0"/>
+                <a:cs typeface="Arial" panose="020B0604020202020204" pitchFamily="34" charset="0"/>
+              </a:rPr>
+              <a:t>DEMOGRAPHIC PARITY REGULARIZER IN TASK LOSS:</a:t>
+            </a:r>
+          </a:p>
+          <a:p>
+            <a:pPr marL="685800" indent="-685800">
+              <a:lnSpc>
+                <a:spcPct val="120000"/>
+              </a:lnSpc>
+              <a:buFont typeface="Arial"/>
+              <a:buChar char="•"/>
+            </a:pPr>
+            <a:r>
+              <a:rPr lang="en-US" sz="4800" dirty="0" smtClean="0">
+                <a:latin typeface="Lato Black" panose="020F0A02020204030203" pitchFamily="34" charset="0"/>
+                <a:cs typeface="Arial" panose="020B0604020202020204" pitchFamily="34" charset="0"/>
+              </a:rPr>
+              <a:t>(D_0 indicates protected instances) </a:t>
+            </a:r>
+            <a:endParaRPr lang="en-US" sz="4800" dirty="0" smtClean="0">
+              <a:latin typeface="Lato Black" panose="020F0A02020204030203" pitchFamily="34" charset="0"/>
+              <a:cs typeface="Arial" panose="020B0604020202020204" pitchFamily="34" charset="0"/>
+            </a:endParaRPr>
+          </a:p>
+          <a:p>
             <a:pPr>
               <a:lnSpc>
                 <a:spcPct val="120000"/>
@@ -3297,68 +3337,10 @@
       </p:sp>
       <p:sp>
         <p:nvSpPr>
-          <p:cNvPr id="6" name="TextBox 5">
-            <a:extLst>
-              <a:ext uri="{FF2B5EF4-FFF2-40B4-BE49-F238E27FC236}">
-                <a16:creationId xmlns="" xmlns:a16="http://schemas.microsoft.com/office/drawing/2014/main" id="{1E1E7EF1-9C6B-4FC5-9AB8-52260F86FE16}"/>
-              </a:ext>
-            </a:extLst>
-          </p:cNvPr>
-          <p:cNvSpPr txBox="1"/>
-          <p:nvPr/>
-        </p:nvSpPr>
-        <p:spPr>
-          <a:xfrm>
-            <a:off x="3905251" y="6960507"/>
-            <a:ext cx="9148840" cy="1754326"/>
-          </a:xfrm>
-          <a:prstGeom prst="rect">
-            <a:avLst/>
-          </a:prstGeom>
-          <a:noFill/>
-        </p:spPr>
-        <p:txBody>
-          <a:bodyPr wrap="square" rtlCol="0">
-            <a:spAutoFit/>
-          </a:bodyPr>
-          <a:lstStyle/>
-          <a:p>
-            <a:r>
-              <a:rPr lang="en-US" sz="5400" b="1" i="1" dirty="0">
-                <a:latin typeface="Lato" panose="020F0502020204030203" pitchFamily="34" charset="0"/>
-                <a:cs typeface="Lato" panose="020F0502020204030203" pitchFamily="34" charset="0"/>
-              </a:rPr>
-              <a:t>Title:</a:t>
-            </a:r>
-            <a:r>
-              <a:rPr lang="en-US" sz="5400" i="1" dirty="0">
-                <a:latin typeface="Lato" panose="020F0502020204030203" pitchFamily="34" charset="0"/>
-                <a:cs typeface="Lato" panose="020F0502020204030203" pitchFamily="34" charset="0"/>
-              </a:rPr>
-              <a:t/>
-            </a:r>
-            <a:br>
-              <a:rPr lang="en-US" sz="5400" i="1" dirty="0">
-                <a:latin typeface="Lato" panose="020F0502020204030203" pitchFamily="34" charset="0"/>
-                <a:cs typeface="Lato" panose="020F0502020204030203" pitchFamily="34" charset="0"/>
-              </a:rPr>
-            </a:br>
-            <a:r>
-              <a:rPr lang="en-US" sz="5400" i="1" dirty="0">
-                <a:latin typeface="Lato" panose="020F0502020204030203" pitchFamily="34" charset="0"/>
-                <a:cs typeface="Lato" panose="020F0502020204030203" pitchFamily="34" charset="0"/>
-              </a:rPr>
-              <a:t>Subtitle</a:t>
-            </a:r>
-          </a:p>
-        </p:txBody>
-      </p:sp>
-      <p:sp>
-        <p:nvSpPr>
           <p:cNvPr id="10" name="Rectangle 9">
             <a:extLst>
               <a:ext uri="{FF2B5EF4-FFF2-40B4-BE49-F238E27FC236}">
-                <a16:creationId xmlns="" xmlns:a16="http://schemas.microsoft.com/office/drawing/2014/main" id="{030386EC-D1AC-48D0-B2EC-0AD1DA88A8AB}"/>
+                <a16:creationId xmlns:a16="http://schemas.microsoft.com/office/drawing/2014/main" xmlns="" id="{030386EC-D1AC-48D0-B2EC-0AD1DA88A8AB}"/>
               </a:ext>
             </a:extLst>
           </p:cNvPr>
@@ -3368,7 +3350,7 @@
         <p:spPr>
           <a:xfrm>
             <a:off x="0" y="0"/>
-            <a:ext cx="32004000" cy="8788400"/>
+            <a:ext cx="32004000" cy="7924800"/>
           </a:xfrm>
           <a:prstGeom prst="rect">
             <a:avLst/>
@@ -3410,7 +3392,7 @@
           <p:cNvPr id="2" name="Rectangle 1">
             <a:extLst>
               <a:ext uri="{FF2B5EF4-FFF2-40B4-BE49-F238E27FC236}">
-                <a16:creationId xmlns="" xmlns:a16="http://schemas.microsoft.com/office/drawing/2014/main" id="{699EE2F9-E368-471F-966F-6846CB3D7866}"/>
+                <a16:creationId xmlns:a16="http://schemas.microsoft.com/office/drawing/2014/main" xmlns="" id="{699EE2F9-E368-471F-966F-6846CB3D7866}"/>
               </a:ext>
             </a:extLst>
           </p:cNvPr>
@@ -3419,7 +3401,7 @@
         </p:nvSpPr>
         <p:spPr>
           <a:xfrm>
-            <a:off x="1643044" y="637778"/>
+            <a:off x="1643044" y="78978"/>
             <a:ext cx="28717912" cy="7671331"/>
           </a:xfrm>
           <a:prstGeom prst="rect">
@@ -3457,7 +3439,18 @@
                 <a:ea typeface="Roboto" panose="02000000000000000000" pitchFamily="2" charset="0"/>
                 <a:cs typeface="Arial" panose="020B0604020202020204" pitchFamily="34" charset="0"/>
               </a:rPr>
-              <a:t>offers a route to distribute fair ML models that can quickly be trained on new tasks.</a:t>
+              <a:t>trains fair meta- models that can be fine-tuned for specific tasks </a:t>
+            </a:r>
+            <a:r>
+              <a:rPr lang="en-US" sz="15000" dirty="0" smtClean="0">
+                <a:solidFill>
+                  <a:schemeClr val="bg1"/>
+                </a:solidFill>
+                <a:latin typeface="Lato" panose="020F0502020204030203" pitchFamily="34" charset="0"/>
+                <a:ea typeface="Roboto" panose="02000000000000000000" pitchFamily="2" charset="0"/>
+                <a:cs typeface="Arial" panose="020B0604020202020204" pitchFamily="34" charset="0"/>
+              </a:rPr>
+              <a:t>with minimal data.</a:t>
             </a:r>
             <a:endParaRPr lang="en-US" sz="15000" dirty="0"/>
           </a:p>
@@ -3468,7 +3461,7 @@
           <p:cNvPr id="16" name="TextBox 15">
             <a:extLst>
               <a:ext uri="{FF2B5EF4-FFF2-40B4-BE49-F238E27FC236}">
-                <a16:creationId xmlns="" xmlns:a16="http://schemas.microsoft.com/office/drawing/2014/main" id="{FEF09AAC-A47D-43E5-A106-FABBAC32BA3E}"/>
+                <a16:creationId xmlns:a16="http://schemas.microsoft.com/office/drawing/2014/main" xmlns="" id="{FEF09AAC-A47D-43E5-A106-FABBAC32BA3E}"/>
               </a:ext>
             </a:extLst>
           </p:cNvPr>
@@ -3477,7 +3470,7 @@
         </p:nvSpPr>
         <p:spPr>
           <a:xfrm>
-            <a:off x="1601732" y="9251950"/>
+            <a:off x="890532" y="8134350"/>
             <a:ext cx="25322268" cy="1323439"/>
           </a:xfrm>
           <a:prstGeom prst="rect">
@@ -3574,7 +3567,7 @@
           <p:cNvPr id="30" name="TextBox 29">
             <a:extLst>
               <a:ext uri="{FF2B5EF4-FFF2-40B4-BE49-F238E27FC236}">
-                <a16:creationId xmlns="" xmlns:a16="http://schemas.microsoft.com/office/drawing/2014/main" id="{F98AF760-C359-4592-BF1F-0C7A94DA9F89}"/>
+                <a16:creationId xmlns:a16="http://schemas.microsoft.com/office/drawing/2014/main" xmlns="" id="{F98AF760-C359-4592-BF1F-0C7A94DA9F89}"/>
               </a:ext>
             </a:extLst>
           </p:cNvPr>
@@ -3583,8 +3576,8 @@
         </p:nvSpPr>
         <p:spPr>
           <a:xfrm>
-            <a:off x="13302968" y="33447761"/>
-            <a:ext cx="11564892" cy="5136791"/>
+            <a:off x="12794968" y="32533361"/>
+            <a:ext cx="10725432" cy="6355586"/>
           </a:xfrm>
           <a:prstGeom prst="rect">
             <a:avLst/>
@@ -3615,25 +3608,8 @@
                 <a:latin typeface="Lato Black" panose="020F0A02020204030203" pitchFamily="34" charset="0"/>
                 <a:cs typeface="Arial" panose="020B0604020202020204" pitchFamily="34" charset="0"/>
               </a:rPr>
-              <a:t>Check us out at FAT</a:t>
-            </a:r>
-            <a:r>
-              <a:rPr lang="en-US" sz="6600" b="1" dirty="0" smtClean="0">
-                <a:solidFill>
-                  <a:schemeClr val="bg1"/>
-                </a:solidFill>
-                <a:latin typeface="Lato Black" panose="020F0A02020204030203" pitchFamily="34" charset="0"/>
-                <a:cs typeface="Arial" panose="020B0604020202020204" pitchFamily="34" charset="0"/>
-              </a:rPr>
-              <a:t>* 2020:</a:t>
-            </a:r>
-            <a:endParaRPr lang="en-US" sz="6600" b="1" dirty="0" smtClean="0">
-              <a:solidFill>
-                <a:schemeClr val="bg1"/>
-              </a:solidFill>
-              <a:latin typeface="Lato Black" panose="020F0A02020204030203" pitchFamily="34" charset="0"/>
-              <a:cs typeface="Arial" panose="020B0604020202020204" pitchFamily="34" charset="0"/>
-            </a:endParaRPr>
+              <a:t>Check us out at FAT* 2020:</a:t>
+            </a:r>
           </a:p>
           <a:p>
             <a:pPr>
@@ -3668,9 +3644,133 @@
           </a:p>
         </p:txBody>
       </p:sp>
+      <p:sp>
+        <p:nvSpPr>
+          <p:cNvPr id="20" name="TextBox 19">
+            <a:extLst>
+              <a:ext uri="{FF2B5EF4-FFF2-40B4-BE49-F238E27FC236}">
+                <a16:creationId xmlns:a16="http://schemas.microsoft.com/office/drawing/2014/main" xmlns="" id="{5BAD9AF1-DB1F-458B-8FD1-3E2EA4A57D8C}"/>
+              </a:ext>
+            </a:extLst>
+          </p:cNvPr>
+          <p:cNvSpPr txBox="1"/>
+          <p:nvPr/>
+        </p:nvSpPr>
+        <p:spPr>
+          <a:xfrm>
+            <a:off x="919828" y="9537170"/>
+            <a:ext cx="16504572" cy="923330"/>
+          </a:xfrm>
+          <a:prstGeom prst="rect">
+            <a:avLst/>
+          </a:prstGeom>
+          <a:noFill/>
+        </p:spPr>
+        <p:txBody>
+          <a:bodyPr wrap="square" rtlCol="0">
+            <a:spAutoFit/>
+          </a:bodyPr>
+          <a:lstStyle/>
+          <a:p>
+            <a:pPr>
+              <a:lnSpc>
+                <a:spcPct val="100000"/>
+              </a:lnSpc>
+              <a:spcBef>
+                <a:spcPts val="0"/>
+              </a:spcBef>
+            </a:pPr>
+            <a:r>
+              <a:rPr lang="en-US" sz="5400" b="1" dirty="0" smtClean="0">
+                <a:solidFill>
+                  <a:srgbClr val="000000"/>
+                </a:solidFill>
+                <a:highlight>
+                  <a:srgbClr val="FFD54F"/>
+                </a:highlight>
+                <a:latin typeface="Lato" panose="020F0502020204030203" pitchFamily="34" charset="0"/>
+                <a:cs typeface="Lato" panose="020F0502020204030203" pitchFamily="34" charset="0"/>
+              </a:rPr>
+              <a:t>Dylan Slack, </a:t>
+            </a:r>
+            <a:r>
+              <a:rPr lang="en-US" sz="5400" b="1" dirty="0" err="1" smtClean="0">
+                <a:solidFill>
+                  <a:srgbClr val="000000"/>
+                </a:solidFill>
+                <a:highlight>
+                  <a:srgbClr val="FFD54F"/>
+                </a:highlight>
+                <a:latin typeface="Lato" panose="020F0502020204030203" pitchFamily="34" charset="0"/>
+                <a:cs typeface="Lato" panose="020F0502020204030203" pitchFamily="34" charset="0"/>
+              </a:rPr>
+              <a:t>Sorelle</a:t>
+            </a:r>
+            <a:r>
+              <a:rPr lang="en-US" sz="5400" b="1" dirty="0" smtClean="0">
+                <a:solidFill>
+                  <a:srgbClr val="000000"/>
+                </a:solidFill>
+                <a:highlight>
+                  <a:srgbClr val="FFD54F"/>
+                </a:highlight>
+                <a:latin typeface="Lato" panose="020F0502020204030203" pitchFamily="34" charset="0"/>
+                <a:cs typeface="Lato" panose="020F0502020204030203" pitchFamily="34" charset="0"/>
+              </a:rPr>
+              <a:t> </a:t>
+            </a:r>
+            <a:r>
+              <a:rPr lang="en-US" sz="5400" b="1" dirty="0" err="1" smtClean="0">
+                <a:solidFill>
+                  <a:srgbClr val="000000"/>
+                </a:solidFill>
+                <a:highlight>
+                  <a:srgbClr val="FFD54F"/>
+                </a:highlight>
+                <a:latin typeface="Lato" panose="020F0502020204030203" pitchFamily="34" charset="0"/>
+                <a:cs typeface="Lato" panose="020F0502020204030203" pitchFamily="34" charset="0"/>
+              </a:rPr>
+              <a:t>Friedler</a:t>
+            </a:r>
+            <a:r>
+              <a:rPr lang="en-US" sz="5400" b="1" dirty="0" smtClean="0">
+                <a:solidFill>
+                  <a:srgbClr val="000000"/>
+                </a:solidFill>
+                <a:highlight>
+                  <a:srgbClr val="FFD54F"/>
+                </a:highlight>
+                <a:latin typeface="Lato" panose="020F0502020204030203" pitchFamily="34" charset="0"/>
+                <a:cs typeface="Lato" panose="020F0502020204030203" pitchFamily="34" charset="0"/>
+              </a:rPr>
+              <a:t>, and Emile </a:t>
+            </a:r>
+            <a:r>
+              <a:rPr lang="en-US" sz="5400" b="1" dirty="0" err="1" smtClean="0">
+                <a:solidFill>
+                  <a:srgbClr val="000000"/>
+                </a:solidFill>
+                <a:highlight>
+                  <a:srgbClr val="FFD54F"/>
+                </a:highlight>
+                <a:latin typeface="Lato" panose="020F0502020204030203" pitchFamily="34" charset="0"/>
+                <a:cs typeface="Lato" panose="020F0502020204030203" pitchFamily="34" charset="0"/>
+              </a:rPr>
+              <a:t>Givental</a:t>
+            </a:r>
+            <a:endParaRPr lang="en-US" sz="5400" b="1" dirty="0">
+              <a:solidFill>
+                <a:srgbClr val="000000"/>
+              </a:solidFill>
+              <a:latin typeface="Lato" panose="020F0502020204030203" pitchFamily="34" charset="0"/>
+              <a:cs typeface="Lato" panose="020F0502020204030203" pitchFamily="34" charset="0"/>
+            </a:endParaRPr>
+          </a:p>
+        </p:txBody>
+      </p:sp>
       <p:pic>
         <p:nvPicPr>
-          <p:cNvPr id="12" name="Picture 11" descr="qr-code (1).png"/>
+          <p:cNvPr id="15" name="Picture 14" descr="Screen Shot 2019-11-24 at 2.29.08 PM.jpg"/>
           <p:cNvPicPr>
             <a:picLocks noChangeAspect="1"/>
           </p:cNvPicPr>
@@ -3690,8 +3790,8 @@
         </p:blipFill>
         <p:spPr>
           <a:xfrm>
-            <a:off x="25335804" y="32651029"/>
-            <a:ext cx="6467648" cy="6467648"/>
+            <a:off x="3962400" y="22225000"/>
+            <a:ext cx="8636000" cy="4922520"/>
           </a:xfrm>
           <a:prstGeom prst="rect">
             <a:avLst/>
@@ -3700,20 +3800,14 @@
       </p:pic>
       <p:sp>
         <p:nvSpPr>
-          <p:cNvPr id="20" name="TextBox 19">
-            <a:extLst>
-              <a:ext uri="{FF2B5EF4-FFF2-40B4-BE49-F238E27FC236}">
-                <a16:creationId xmlns="" xmlns:a16="http://schemas.microsoft.com/office/drawing/2014/main" id="{5BAD9AF1-DB1F-458B-8FD1-3E2EA4A57D8C}"/>
-              </a:ext>
-            </a:extLst>
-          </p:cNvPr>
+          <p:cNvPr id="18" name="TextBox 17"/>
           <p:cNvSpPr txBox="1"/>
           <p:nvPr/>
         </p:nvSpPr>
         <p:spPr>
           <a:xfrm>
-            <a:off x="1631028" y="10654770"/>
-            <a:ext cx="16504572" cy="923330"/>
+            <a:off x="3251200" y="25450800"/>
+            <a:ext cx="8077200" cy="523220"/>
           </a:xfrm>
           <a:prstGeom prst="rect">
             <a:avLst/>
@@ -3726,105 +3820,592 @@
           </a:bodyPr>
           <a:lstStyle/>
           <a:p>
+            <a:r>
+              <a:rPr lang="en-US" sz="2800" dirty="0" smtClean="0">
+                <a:latin typeface="Lato Black" panose="020F0A02020204030203" pitchFamily="34" charset="0"/>
+                <a:cs typeface="Arial" panose="020B0604020202020204" pitchFamily="34" charset="0"/>
+              </a:rPr>
+              <a:t>[Finn et. al., 2017]</a:t>
+            </a:r>
+            <a:endParaRPr lang="en-US" sz="2800" dirty="0"/>
+          </a:p>
+        </p:txBody>
+      </p:sp>
+      <p:sp>
+        <p:nvSpPr>
+          <p:cNvPr id="24" name="TextBox 23">
+            <a:extLst>
+              <a:ext uri="{FF2B5EF4-FFF2-40B4-BE49-F238E27FC236}">
+                <a16:creationId xmlns:a16="http://schemas.microsoft.com/office/drawing/2014/main" xmlns="" id="{F98AF760-C359-4592-BF1F-0C7A94DA9F89}"/>
+              </a:ext>
+            </a:extLst>
+          </p:cNvPr>
+          <p:cNvSpPr txBox="1"/>
+          <p:nvPr/>
+        </p:nvSpPr>
+        <p:spPr>
+          <a:xfrm>
+            <a:off x="14444644" y="10640046"/>
+            <a:ext cx="16441756" cy="13363657"/>
+          </a:xfrm>
+          <a:prstGeom prst="rect">
+            <a:avLst/>
+          </a:prstGeom>
+          <a:noFill/>
+          <a:ln>
+            <a:solidFill>
+              <a:schemeClr val="bg1"/>
+            </a:solidFill>
+          </a:ln>
+        </p:spPr>
+        <p:txBody>
+          <a:bodyPr wrap="square" rtlCol="0">
+            <a:spAutoFit/>
+          </a:bodyPr>
+          <a:lstStyle/>
+          <a:p>
             <a:pPr>
               <a:lnSpc>
-                <a:spcPct val="100000"/>
-              </a:lnSpc>
-              <a:spcBef>
-                <a:spcPts val="0"/>
-              </a:spcBef>
-            </a:pPr>
-            <a:r>
-              <a:rPr lang="en-US" sz="5400" b="1" dirty="0" smtClean="0">
+                <a:spcPct val="120000"/>
+              </a:lnSpc>
+            </a:pPr>
+            <a:r>
+              <a:rPr lang="en-US" sz="4800" b="1" dirty="0" smtClean="0">
                 <a:solidFill>
-                  <a:srgbClr val="000000"/>
+                  <a:srgbClr val="7CC6FE"/>
                 </a:solidFill>
-                <a:highlight>
-                  <a:srgbClr val="FFD54F"/>
-                </a:highlight>
-                <a:latin typeface="Lato" panose="020F0502020204030203" pitchFamily="34" charset="0"/>
-                <a:cs typeface="Lato" panose="020F0502020204030203" pitchFamily="34" charset="0"/>
+                <a:latin typeface="Lato Black" panose="020F0A02020204030203" pitchFamily="34" charset="0"/>
+                <a:cs typeface="Arial" panose="020B0604020202020204" pitchFamily="34" charset="0"/>
               </a:rPr>
-              <a:t>Dylan Slack, </a:t>
-            </a:r>
-            <a:r>
-              <a:rPr lang="en-US" sz="5400" b="1" dirty="0" err="1" smtClean="0">
+              <a:t>SYNTHETIC EXAMPLE ON NEW TASK</a:t>
+            </a:r>
+            <a:endParaRPr lang="en-US" sz="4800" b="1" dirty="0">
+              <a:solidFill>
+                <a:srgbClr val="7CC6FE"/>
+              </a:solidFill>
+              <a:latin typeface="Lato Black" panose="020F0A02020204030203" pitchFamily="34" charset="0"/>
+              <a:cs typeface="Arial" panose="020B0604020202020204" pitchFamily="34" charset="0"/>
+            </a:endParaRPr>
+          </a:p>
+          <a:p>
+            <a:pPr>
+              <a:lnSpc>
+                <a:spcPct val="120000"/>
+              </a:lnSpc>
+            </a:pPr>
+            <a:endParaRPr lang="en-US" sz="1500" b="1" dirty="0" smtClean="0">
+              <a:solidFill>
+                <a:srgbClr val="7CC6FE"/>
+              </a:solidFill>
+              <a:latin typeface="Lato Black" panose="020F0A02020204030203" pitchFamily="34" charset="0"/>
+              <a:cs typeface="Arial" panose="020B0604020202020204" pitchFamily="34" charset="0"/>
+            </a:endParaRPr>
+          </a:p>
+          <a:p>
+            <a:pPr>
+              <a:lnSpc>
+                <a:spcPct val="120000"/>
+              </a:lnSpc>
+            </a:pPr>
+            <a:endParaRPr lang="en-US" sz="1500" b="1" dirty="0">
+              <a:solidFill>
+                <a:srgbClr val="7CC6FE"/>
+              </a:solidFill>
+              <a:latin typeface="Lato Black" panose="020F0A02020204030203" pitchFamily="34" charset="0"/>
+              <a:cs typeface="Arial" panose="020B0604020202020204" pitchFamily="34" charset="0"/>
+            </a:endParaRPr>
+          </a:p>
+          <a:p>
+            <a:pPr>
+              <a:lnSpc>
+                <a:spcPct val="120000"/>
+              </a:lnSpc>
+            </a:pPr>
+            <a:endParaRPr lang="en-US" sz="1500" b="1" dirty="0" smtClean="0">
+              <a:solidFill>
+                <a:srgbClr val="7CC6FE"/>
+              </a:solidFill>
+              <a:latin typeface="Lato Black" panose="020F0A02020204030203" pitchFamily="34" charset="0"/>
+              <a:cs typeface="Arial" panose="020B0604020202020204" pitchFamily="34" charset="0"/>
+            </a:endParaRPr>
+          </a:p>
+          <a:p>
+            <a:pPr>
+              <a:lnSpc>
+                <a:spcPct val="120000"/>
+              </a:lnSpc>
+            </a:pPr>
+            <a:endParaRPr lang="en-US" sz="1500" b="1" dirty="0">
+              <a:solidFill>
+                <a:srgbClr val="7CC6FE"/>
+              </a:solidFill>
+              <a:latin typeface="Lato Black" panose="020F0A02020204030203" pitchFamily="34" charset="0"/>
+              <a:cs typeface="Arial" panose="020B0604020202020204" pitchFamily="34" charset="0"/>
+            </a:endParaRPr>
+          </a:p>
+          <a:p>
+            <a:pPr>
+              <a:lnSpc>
+                <a:spcPct val="120000"/>
+              </a:lnSpc>
+            </a:pPr>
+            <a:endParaRPr lang="en-US" sz="1500" b="1" dirty="0" smtClean="0">
+              <a:solidFill>
+                <a:srgbClr val="7CC6FE"/>
+              </a:solidFill>
+              <a:latin typeface="Lato Black" panose="020F0A02020204030203" pitchFamily="34" charset="0"/>
+              <a:cs typeface="Arial" panose="020B0604020202020204" pitchFamily="34" charset="0"/>
+            </a:endParaRPr>
+          </a:p>
+          <a:p>
+            <a:pPr>
+              <a:lnSpc>
+                <a:spcPct val="120000"/>
+              </a:lnSpc>
+            </a:pPr>
+            <a:endParaRPr lang="en-US" sz="1500" b="1" dirty="0">
+              <a:solidFill>
+                <a:srgbClr val="7CC6FE"/>
+              </a:solidFill>
+              <a:latin typeface="Lato Black" panose="020F0A02020204030203" pitchFamily="34" charset="0"/>
+              <a:cs typeface="Arial" panose="020B0604020202020204" pitchFamily="34" charset="0"/>
+            </a:endParaRPr>
+          </a:p>
+          <a:p>
+            <a:pPr>
+              <a:lnSpc>
+                <a:spcPct val="120000"/>
+              </a:lnSpc>
+            </a:pPr>
+            <a:endParaRPr lang="en-US" sz="1500" b="1" dirty="0" smtClean="0">
+              <a:solidFill>
+                <a:srgbClr val="7CC6FE"/>
+              </a:solidFill>
+              <a:latin typeface="Lato Black" panose="020F0A02020204030203" pitchFamily="34" charset="0"/>
+              <a:cs typeface="Arial" panose="020B0604020202020204" pitchFamily="34" charset="0"/>
+            </a:endParaRPr>
+          </a:p>
+          <a:p>
+            <a:pPr>
+              <a:lnSpc>
+                <a:spcPct val="120000"/>
+              </a:lnSpc>
+            </a:pPr>
+            <a:endParaRPr lang="en-US" sz="1500" b="1" dirty="0">
+              <a:solidFill>
+                <a:srgbClr val="7CC6FE"/>
+              </a:solidFill>
+              <a:latin typeface="Lato Black" panose="020F0A02020204030203" pitchFamily="34" charset="0"/>
+              <a:cs typeface="Arial" panose="020B0604020202020204" pitchFamily="34" charset="0"/>
+            </a:endParaRPr>
+          </a:p>
+          <a:p>
+            <a:pPr>
+              <a:lnSpc>
+                <a:spcPct val="120000"/>
+              </a:lnSpc>
+            </a:pPr>
+            <a:endParaRPr lang="en-US" sz="1500" b="1" dirty="0" smtClean="0">
+              <a:solidFill>
+                <a:srgbClr val="7CC6FE"/>
+              </a:solidFill>
+              <a:latin typeface="Lato Black" panose="020F0A02020204030203" pitchFamily="34" charset="0"/>
+              <a:cs typeface="Arial" panose="020B0604020202020204" pitchFamily="34" charset="0"/>
+            </a:endParaRPr>
+          </a:p>
+          <a:p>
+            <a:pPr>
+              <a:lnSpc>
+                <a:spcPct val="120000"/>
+              </a:lnSpc>
+            </a:pPr>
+            <a:endParaRPr lang="en-US" sz="1500" b="1" dirty="0">
+              <a:solidFill>
+                <a:srgbClr val="7CC6FE"/>
+              </a:solidFill>
+              <a:latin typeface="Lato Black" panose="020F0A02020204030203" pitchFamily="34" charset="0"/>
+              <a:cs typeface="Arial" panose="020B0604020202020204" pitchFamily="34" charset="0"/>
+            </a:endParaRPr>
+          </a:p>
+          <a:p>
+            <a:pPr>
+              <a:lnSpc>
+                <a:spcPct val="120000"/>
+              </a:lnSpc>
+            </a:pPr>
+            <a:endParaRPr lang="en-US" sz="1500" b="1" dirty="0" smtClean="0">
+              <a:solidFill>
+                <a:srgbClr val="7CC6FE"/>
+              </a:solidFill>
+              <a:latin typeface="Lato Black" panose="020F0A02020204030203" pitchFamily="34" charset="0"/>
+              <a:cs typeface="Arial" panose="020B0604020202020204" pitchFamily="34" charset="0"/>
+            </a:endParaRPr>
+          </a:p>
+          <a:p>
+            <a:pPr>
+              <a:lnSpc>
+                <a:spcPct val="120000"/>
+              </a:lnSpc>
+            </a:pPr>
+            <a:endParaRPr lang="en-US" sz="1500" b="1" dirty="0">
+              <a:solidFill>
+                <a:srgbClr val="7CC6FE"/>
+              </a:solidFill>
+              <a:latin typeface="Lato Black" panose="020F0A02020204030203" pitchFamily="34" charset="0"/>
+              <a:cs typeface="Arial" panose="020B0604020202020204" pitchFamily="34" charset="0"/>
+            </a:endParaRPr>
+          </a:p>
+          <a:p>
+            <a:pPr>
+              <a:lnSpc>
+                <a:spcPct val="120000"/>
+              </a:lnSpc>
+            </a:pPr>
+            <a:endParaRPr lang="en-US" sz="1500" b="1" dirty="0" smtClean="0">
+              <a:solidFill>
+                <a:srgbClr val="7CC6FE"/>
+              </a:solidFill>
+              <a:latin typeface="Lato Black" panose="020F0A02020204030203" pitchFamily="34" charset="0"/>
+              <a:cs typeface="Arial" panose="020B0604020202020204" pitchFamily="34" charset="0"/>
+            </a:endParaRPr>
+          </a:p>
+          <a:p>
+            <a:pPr>
+              <a:lnSpc>
+                <a:spcPct val="120000"/>
+              </a:lnSpc>
+            </a:pPr>
+            <a:endParaRPr lang="en-US" sz="1500" b="1" dirty="0">
+              <a:solidFill>
+                <a:srgbClr val="7CC6FE"/>
+              </a:solidFill>
+              <a:latin typeface="Lato Black" panose="020F0A02020204030203" pitchFamily="34" charset="0"/>
+              <a:cs typeface="Arial" panose="020B0604020202020204" pitchFamily="34" charset="0"/>
+            </a:endParaRPr>
+          </a:p>
+          <a:p>
+            <a:pPr>
+              <a:lnSpc>
+                <a:spcPct val="120000"/>
+              </a:lnSpc>
+            </a:pPr>
+            <a:endParaRPr lang="en-US" sz="1500" b="1" dirty="0" smtClean="0">
+              <a:solidFill>
+                <a:srgbClr val="7CC6FE"/>
+              </a:solidFill>
+              <a:latin typeface="Lato Black" panose="020F0A02020204030203" pitchFamily="34" charset="0"/>
+              <a:cs typeface="Arial" panose="020B0604020202020204" pitchFamily="34" charset="0"/>
+            </a:endParaRPr>
+          </a:p>
+          <a:p>
+            <a:pPr>
+              <a:lnSpc>
+                <a:spcPct val="120000"/>
+              </a:lnSpc>
+            </a:pPr>
+            <a:endParaRPr lang="en-US" sz="1500" b="1" dirty="0">
+              <a:solidFill>
+                <a:srgbClr val="7CC6FE"/>
+              </a:solidFill>
+              <a:latin typeface="Lato Black" panose="020F0A02020204030203" pitchFamily="34" charset="0"/>
+              <a:cs typeface="Arial" panose="020B0604020202020204" pitchFamily="34" charset="0"/>
+            </a:endParaRPr>
+          </a:p>
+          <a:p>
+            <a:pPr>
+              <a:lnSpc>
+                <a:spcPct val="120000"/>
+              </a:lnSpc>
+            </a:pPr>
+            <a:endParaRPr lang="en-US" sz="1500" b="1" dirty="0" smtClean="0">
+              <a:solidFill>
+                <a:srgbClr val="7CC6FE"/>
+              </a:solidFill>
+              <a:latin typeface="Lato Black" panose="020F0A02020204030203" pitchFamily="34" charset="0"/>
+              <a:cs typeface="Arial" panose="020B0604020202020204" pitchFamily="34" charset="0"/>
+            </a:endParaRPr>
+          </a:p>
+          <a:p>
+            <a:pPr>
+              <a:lnSpc>
+                <a:spcPct val="120000"/>
+              </a:lnSpc>
+            </a:pPr>
+            <a:endParaRPr lang="en-US" sz="1500" b="1" dirty="0">
+              <a:solidFill>
+                <a:srgbClr val="7CC6FE"/>
+              </a:solidFill>
+              <a:latin typeface="Lato Black" panose="020F0A02020204030203" pitchFamily="34" charset="0"/>
+              <a:cs typeface="Arial" panose="020B0604020202020204" pitchFamily="34" charset="0"/>
+            </a:endParaRPr>
+          </a:p>
+          <a:p>
+            <a:pPr>
+              <a:lnSpc>
+                <a:spcPct val="120000"/>
+              </a:lnSpc>
+            </a:pPr>
+            <a:endParaRPr lang="en-US" sz="1500" b="1" dirty="0" smtClean="0">
+              <a:solidFill>
+                <a:srgbClr val="7CC6FE"/>
+              </a:solidFill>
+              <a:latin typeface="Lato Black" panose="020F0A02020204030203" pitchFamily="34" charset="0"/>
+              <a:cs typeface="Arial" panose="020B0604020202020204" pitchFamily="34" charset="0"/>
+            </a:endParaRPr>
+          </a:p>
+          <a:p>
+            <a:pPr>
+              <a:lnSpc>
+                <a:spcPct val="120000"/>
+              </a:lnSpc>
+            </a:pPr>
+            <a:endParaRPr lang="en-US" sz="1500" b="1" dirty="0">
+              <a:solidFill>
+                <a:srgbClr val="7CC6FE"/>
+              </a:solidFill>
+              <a:latin typeface="Lato Black" panose="020F0A02020204030203" pitchFamily="34" charset="0"/>
+              <a:cs typeface="Arial" panose="020B0604020202020204" pitchFamily="34" charset="0"/>
+            </a:endParaRPr>
+          </a:p>
+          <a:p>
+            <a:pPr>
+              <a:lnSpc>
+                <a:spcPct val="120000"/>
+              </a:lnSpc>
+            </a:pPr>
+            <a:endParaRPr lang="en-US" sz="1500" b="1" dirty="0" smtClean="0">
+              <a:solidFill>
+                <a:srgbClr val="7CC6FE"/>
+              </a:solidFill>
+              <a:latin typeface="Lato Black" panose="020F0A02020204030203" pitchFamily="34" charset="0"/>
+              <a:cs typeface="Arial" panose="020B0604020202020204" pitchFamily="34" charset="0"/>
+            </a:endParaRPr>
+          </a:p>
+          <a:p>
+            <a:pPr>
+              <a:lnSpc>
+                <a:spcPct val="120000"/>
+              </a:lnSpc>
+            </a:pPr>
+            <a:endParaRPr lang="en-US" sz="1500" b="1" dirty="0">
+              <a:solidFill>
+                <a:srgbClr val="7CC6FE"/>
+              </a:solidFill>
+              <a:latin typeface="Lato Black" panose="020F0A02020204030203" pitchFamily="34" charset="0"/>
+              <a:cs typeface="Arial" panose="020B0604020202020204" pitchFamily="34" charset="0"/>
+            </a:endParaRPr>
+          </a:p>
+          <a:p>
+            <a:pPr>
+              <a:lnSpc>
+                <a:spcPct val="120000"/>
+              </a:lnSpc>
+            </a:pPr>
+            <a:endParaRPr lang="en-US" sz="1500" b="1" dirty="0" smtClean="0">
+              <a:solidFill>
+                <a:srgbClr val="7CC6FE"/>
+              </a:solidFill>
+              <a:latin typeface="Lato Black" panose="020F0A02020204030203" pitchFamily="34" charset="0"/>
+              <a:cs typeface="Arial" panose="020B0604020202020204" pitchFamily="34" charset="0"/>
+            </a:endParaRPr>
+          </a:p>
+          <a:p>
+            <a:pPr>
+              <a:lnSpc>
+                <a:spcPct val="120000"/>
+              </a:lnSpc>
+            </a:pPr>
+            <a:endParaRPr lang="en-US" sz="1500" b="1" dirty="0">
+              <a:solidFill>
+                <a:srgbClr val="7CC6FE"/>
+              </a:solidFill>
+              <a:latin typeface="Lato Black" panose="020F0A02020204030203" pitchFamily="34" charset="0"/>
+              <a:cs typeface="Arial" panose="020B0604020202020204" pitchFamily="34" charset="0"/>
+            </a:endParaRPr>
+          </a:p>
+          <a:p>
+            <a:pPr>
+              <a:lnSpc>
+                <a:spcPct val="120000"/>
+              </a:lnSpc>
+            </a:pPr>
+            <a:endParaRPr lang="en-US" sz="1500" b="1" dirty="0" smtClean="0">
+              <a:solidFill>
+                <a:srgbClr val="7CC6FE"/>
+              </a:solidFill>
+              <a:latin typeface="Lato Black" panose="020F0A02020204030203" pitchFamily="34" charset="0"/>
+              <a:cs typeface="Arial" panose="020B0604020202020204" pitchFamily="34" charset="0"/>
+            </a:endParaRPr>
+          </a:p>
+          <a:p>
+            <a:pPr>
+              <a:lnSpc>
+                <a:spcPct val="120000"/>
+              </a:lnSpc>
+            </a:pPr>
+            <a:endParaRPr lang="en-US" sz="1500" b="1" dirty="0">
+              <a:solidFill>
+                <a:srgbClr val="7CC6FE"/>
+              </a:solidFill>
+              <a:latin typeface="Lato Black" panose="020F0A02020204030203" pitchFamily="34" charset="0"/>
+              <a:cs typeface="Arial" panose="020B0604020202020204" pitchFamily="34" charset="0"/>
+            </a:endParaRPr>
+          </a:p>
+          <a:p>
+            <a:pPr>
+              <a:lnSpc>
+                <a:spcPct val="120000"/>
+              </a:lnSpc>
+            </a:pPr>
+            <a:endParaRPr lang="en-US" sz="1500" b="1" dirty="0" smtClean="0">
+              <a:solidFill>
+                <a:srgbClr val="7CC6FE"/>
+              </a:solidFill>
+              <a:latin typeface="Lato Black" panose="020F0A02020204030203" pitchFamily="34" charset="0"/>
+              <a:cs typeface="Arial" panose="020B0604020202020204" pitchFamily="34" charset="0"/>
+            </a:endParaRPr>
+          </a:p>
+          <a:p>
+            <a:pPr>
+              <a:lnSpc>
+                <a:spcPct val="120000"/>
+              </a:lnSpc>
+            </a:pPr>
+            <a:endParaRPr lang="en-US" sz="1500" b="1" dirty="0">
+              <a:solidFill>
+                <a:srgbClr val="7CC6FE"/>
+              </a:solidFill>
+              <a:latin typeface="Lato Black" panose="020F0A02020204030203" pitchFamily="34" charset="0"/>
+              <a:cs typeface="Arial" panose="020B0604020202020204" pitchFamily="34" charset="0"/>
+            </a:endParaRPr>
+          </a:p>
+          <a:p>
+            <a:pPr>
+              <a:lnSpc>
+                <a:spcPct val="120000"/>
+              </a:lnSpc>
+            </a:pPr>
+            <a:endParaRPr lang="en-US" sz="1500" b="1" dirty="0" smtClean="0">
+              <a:solidFill>
+                <a:srgbClr val="7CC6FE"/>
+              </a:solidFill>
+              <a:latin typeface="Lato Black" panose="020F0A02020204030203" pitchFamily="34" charset="0"/>
+              <a:cs typeface="Arial" panose="020B0604020202020204" pitchFamily="34" charset="0"/>
+            </a:endParaRPr>
+          </a:p>
+          <a:p>
+            <a:pPr>
+              <a:lnSpc>
+                <a:spcPct val="120000"/>
+              </a:lnSpc>
+            </a:pPr>
+            <a:endParaRPr lang="en-US" sz="1500" b="1" dirty="0">
+              <a:solidFill>
+                <a:srgbClr val="7CC6FE"/>
+              </a:solidFill>
+              <a:latin typeface="Lato Black" panose="020F0A02020204030203" pitchFamily="34" charset="0"/>
+              <a:cs typeface="Arial" panose="020B0604020202020204" pitchFamily="34" charset="0"/>
+            </a:endParaRPr>
+          </a:p>
+          <a:p>
+            <a:pPr>
+              <a:lnSpc>
+                <a:spcPct val="120000"/>
+              </a:lnSpc>
+            </a:pPr>
+            <a:endParaRPr lang="en-US" sz="1500" b="1" dirty="0" smtClean="0">
+              <a:solidFill>
+                <a:srgbClr val="7CC6FE"/>
+              </a:solidFill>
+              <a:latin typeface="Lato Black" panose="020F0A02020204030203" pitchFamily="34" charset="0"/>
+              <a:cs typeface="Arial" panose="020B0604020202020204" pitchFamily="34" charset="0"/>
+            </a:endParaRPr>
+          </a:p>
+          <a:p>
+            <a:pPr>
+              <a:lnSpc>
+                <a:spcPct val="120000"/>
+              </a:lnSpc>
+            </a:pPr>
+            <a:endParaRPr lang="en-US" sz="1500" b="1" dirty="0" smtClean="0">
+              <a:solidFill>
+                <a:srgbClr val="7CC6FE"/>
+              </a:solidFill>
+              <a:latin typeface="Lato Black" panose="020F0A02020204030203" pitchFamily="34" charset="0"/>
+              <a:cs typeface="Arial" panose="020B0604020202020204" pitchFamily="34" charset="0"/>
+            </a:endParaRPr>
+          </a:p>
+          <a:p>
+            <a:pPr>
+              <a:lnSpc>
+                <a:spcPct val="120000"/>
+              </a:lnSpc>
+            </a:pPr>
+            <a:endParaRPr lang="en-US" sz="4800" b="1" dirty="0" smtClean="0">
+              <a:solidFill>
+                <a:srgbClr val="7CC6FE"/>
+              </a:solidFill>
+              <a:latin typeface="Lato Black" panose="020F0A02020204030203" pitchFamily="34" charset="0"/>
+              <a:cs typeface="Arial" panose="020B0604020202020204" pitchFamily="34" charset="0"/>
+            </a:endParaRPr>
+          </a:p>
+          <a:p>
+            <a:pPr>
+              <a:lnSpc>
+                <a:spcPct val="120000"/>
+              </a:lnSpc>
+            </a:pPr>
+            <a:endParaRPr lang="en-US" sz="4800" b="1" dirty="0">
+              <a:solidFill>
+                <a:srgbClr val="7CC6FE"/>
+              </a:solidFill>
+              <a:latin typeface="Lato Black" panose="020F0A02020204030203" pitchFamily="34" charset="0"/>
+              <a:cs typeface="Arial" panose="020B0604020202020204" pitchFamily="34" charset="0"/>
+            </a:endParaRPr>
+          </a:p>
+          <a:p>
+            <a:pPr>
+              <a:lnSpc>
+                <a:spcPct val="120000"/>
+              </a:lnSpc>
+            </a:pPr>
+            <a:r>
+              <a:rPr lang="en-US" sz="4800" b="1" dirty="0" smtClean="0">
                 <a:solidFill>
-                  <a:srgbClr val="000000"/>
+                  <a:srgbClr val="7CC6FE"/>
                 </a:solidFill>
-                <a:highlight>
-                  <a:srgbClr val="FFD54F"/>
-                </a:highlight>
-                <a:latin typeface="Lato" panose="020F0502020204030203" pitchFamily="34" charset="0"/>
-                <a:cs typeface="Lato" panose="020F0502020204030203" pitchFamily="34" charset="0"/>
+                <a:latin typeface="Lato Black" panose="020F0A02020204030203" pitchFamily="34" charset="0"/>
+                <a:cs typeface="Arial" panose="020B0604020202020204" pitchFamily="34" charset="0"/>
               </a:rPr>
-              <a:t>Sorelle</a:t>
-            </a:r>
-            <a:r>
-              <a:rPr lang="en-US" sz="5400" b="1" dirty="0" smtClean="0">
+              <a:t>COMMUNITIES </a:t>
+            </a:r>
+            <a:r>
+              <a:rPr lang="en-US" sz="4800" b="1" dirty="0" smtClean="0">
                 <a:solidFill>
-                  <a:srgbClr val="000000"/>
+                  <a:srgbClr val="7CC6FE"/>
                 </a:solidFill>
-                <a:highlight>
-                  <a:srgbClr val="FFD54F"/>
-                </a:highlight>
-                <a:latin typeface="Lato" panose="020F0502020204030203" pitchFamily="34" charset="0"/>
-                <a:cs typeface="Lato" panose="020F0502020204030203" pitchFamily="34" charset="0"/>
+                <a:latin typeface="Lato Black" panose="020F0A02020204030203" pitchFamily="34" charset="0"/>
+                <a:cs typeface="Arial" panose="020B0604020202020204" pitchFamily="34" charset="0"/>
               </a:rPr>
-              <a:t> </a:t>
-            </a:r>
-            <a:r>
-              <a:rPr lang="en-US" sz="5400" b="1" dirty="0" err="1" smtClean="0">
-                <a:solidFill>
-                  <a:srgbClr val="000000"/>
-                </a:solidFill>
-                <a:highlight>
-                  <a:srgbClr val="FFD54F"/>
-                </a:highlight>
-                <a:latin typeface="Lato" panose="020F0502020204030203" pitchFamily="34" charset="0"/>
-                <a:cs typeface="Lato" panose="020F0502020204030203" pitchFamily="34" charset="0"/>
-              </a:rPr>
-              <a:t>Friedler</a:t>
-            </a:r>
-            <a:r>
-              <a:rPr lang="en-US" sz="5400" b="1" dirty="0" smtClean="0">
-                <a:solidFill>
-                  <a:srgbClr val="000000"/>
-                </a:solidFill>
-                <a:highlight>
-                  <a:srgbClr val="FFD54F"/>
-                </a:highlight>
-                <a:latin typeface="Lato" panose="020F0502020204030203" pitchFamily="34" charset="0"/>
-                <a:cs typeface="Lato" panose="020F0502020204030203" pitchFamily="34" charset="0"/>
-              </a:rPr>
-              <a:t>, and Emile </a:t>
-            </a:r>
-            <a:r>
-              <a:rPr lang="en-US" sz="5400" b="1" dirty="0" err="1" smtClean="0">
-                <a:solidFill>
-                  <a:srgbClr val="000000"/>
-                </a:solidFill>
-                <a:highlight>
-                  <a:srgbClr val="FFD54F"/>
-                </a:highlight>
-                <a:latin typeface="Lato" panose="020F0502020204030203" pitchFamily="34" charset="0"/>
-                <a:cs typeface="Lato" panose="020F0502020204030203" pitchFamily="34" charset="0"/>
-              </a:rPr>
-              <a:t>Givental</a:t>
-            </a:r>
-            <a:endParaRPr lang="en-US" sz="5400" b="1" dirty="0">
-              <a:solidFill>
-                <a:srgbClr val="000000"/>
-              </a:solidFill>
+              <a:t>AND CRIME EXAMPLE</a:t>
+            </a:r>
+          </a:p>
+          <a:p>
+            <a:pPr>
+              <a:lnSpc>
+                <a:spcPct val="120000"/>
+              </a:lnSpc>
+            </a:pPr>
+            <a:endParaRPr lang="en-US" sz="4800" b="1" dirty="0">
               <a:latin typeface="Lato" panose="020F0502020204030203" pitchFamily="34" charset="0"/>
-              <a:cs typeface="Lato" panose="020F0502020204030203" pitchFamily="34" charset="0"/>
+              <a:cs typeface="Arial" panose="020B0604020202020204" pitchFamily="34" charset="0"/>
             </a:endParaRPr>
           </a:p>
         </p:txBody>
       </p:sp>
       <p:pic>
         <p:nvPicPr>
-          <p:cNvPr id="15" name="Picture 14" descr="Screen Shot 2019-11-24 at 2.29.08 PM.jpg"/>
+          <p:cNvPr id="19" name="Picture 18" descr="Screen Shot 2019-11-24 at 2.35.48 PM.jpg"/>
           <p:cNvPicPr>
             <a:picLocks noChangeAspect="1"/>
           </p:cNvPicPr>
@@ -3844,612 +4425,17 @@
         </p:blipFill>
         <p:spPr>
           <a:xfrm>
-            <a:off x="3606800" y="25171400"/>
-            <a:ext cx="8636000" cy="4922520"/>
+            <a:off x="14154150" y="11918949"/>
+            <a:ext cx="17189450" cy="10177323"/>
           </a:xfrm>
           <a:prstGeom prst="rect">
             <a:avLst/>
           </a:prstGeom>
         </p:spPr>
       </p:pic>
-      <p:sp>
-        <p:nvSpPr>
-          <p:cNvPr id="18" name="TextBox 17"/>
-          <p:cNvSpPr txBox="1"/>
-          <p:nvPr/>
-        </p:nvSpPr>
-        <p:spPr>
-          <a:xfrm>
-            <a:off x="6096000" y="30378400"/>
-            <a:ext cx="8077200" cy="523220"/>
-          </a:xfrm>
-          <a:prstGeom prst="rect">
-            <a:avLst/>
-          </a:prstGeom>
-          <a:noFill/>
-        </p:spPr>
-        <p:txBody>
-          <a:bodyPr wrap="square" rtlCol="0">
-            <a:spAutoFit/>
-          </a:bodyPr>
-          <a:lstStyle/>
-          <a:p>
-            <a:r>
-              <a:rPr lang="en-US" sz="2800" dirty="0" smtClean="0">
-                <a:latin typeface="Lato Black" panose="020F0A02020204030203" pitchFamily="34" charset="0"/>
-                <a:cs typeface="Arial" panose="020B0604020202020204" pitchFamily="34" charset="0"/>
-              </a:rPr>
-              <a:t>[Finn et. al., 2017]</a:t>
-            </a:r>
-            <a:endParaRPr lang="en-US" sz="2800" dirty="0"/>
-          </a:p>
-        </p:txBody>
-      </p:sp>
-      <p:sp>
-        <p:nvSpPr>
-          <p:cNvPr id="24" name="TextBox 23">
-            <a:extLst>
-              <a:ext uri="{FF2B5EF4-FFF2-40B4-BE49-F238E27FC236}">
-                <a16:creationId xmlns="" xmlns:a16="http://schemas.microsoft.com/office/drawing/2014/main" id="{F98AF760-C359-4592-BF1F-0C7A94DA9F89}"/>
-              </a:ext>
-            </a:extLst>
-          </p:cNvPr>
-          <p:cNvSpPr txBox="1"/>
-          <p:nvPr/>
-        </p:nvSpPr>
-        <p:spPr>
-          <a:xfrm>
-            <a:off x="13581044" y="11757646"/>
-            <a:ext cx="16441756" cy="13363657"/>
-          </a:xfrm>
-          <a:prstGeom prst="rect">
-            <a:avLst/>
-          </a:prstGeom>
-          <a:noFill/>
-          <a:ln>
-            <a:solidFill>
-              <a:schemeClr val="bg1"/>
-            </a:solidFill>
-          </a:ln>
-        </p:spPr>
-        <p:txBody>
-          <a:bodyPr wrap="square" rtlCol="0">
-            <a:spAutoFit/>
-          </a:bodyPr>
-          <a:lstStyle/>
-          <a:p>
-            <a:pPr>
-              <a:lnSpc>
-                <a:spcPct val="120000"/>
-              </a:lnSpc>
-            </a:pPr>
-            <a:r>
-              <a:rPr lang="en-US" sz="4800" b="1" dirty="0" smtClean="0">
-                <a:solidFill>
-                  <a:srgbClr val="7CC6FE"/>
-                </a:solidFill>
-                <a:latin typeface="Lato Black" panose="020F0A02020204030203" pitchFamily="34" charset="0"/>
-                <a:cs typeface="Arial" panose="020B0604020202020204" pitchFamily="34" charset="0"/>
-              </a:rPr>
-              <a:t>SYNTHETIC EXAMPLE ON NEW TASK</a:t>
-            </a:r>
-            <a:endParaRPr lang="en-US" sz="4800" b="1" dirty="0">
-              <a:solidFill>
-                <a:srgbClr val="7CC6FE"/>
-              </a:solidFill>
-              <a:latin typeface="Lato Black" panose="020F0A02020204030203" pitchFamily="34" charset="0"/>
-              <a:cs typeface="Arial" panose="020B0604020202020204" pitchFamily="34" charset="0"/>
-            </a:endParaRPr>
-          </a:p>
-          <a:p>
-            <a:pPr>
-              <a:lnSpc>
-                <a:spcPct val="120000"/>
-              </a:lnSpc>
-            </a:pPr>
-            <a:endParaRPr lang="en-US" sz="1500" b="1" dirty="0" smtClean="0">
-              <a:solidFill>
-                <a:srgbClr val="7CC6FE"/>
-              </a:solidFill>
-              <a:latin typeface="Lato Black" panose="020F0A02020204030203" pitchFamily="34" charset="0"/>
-              <a:cs typeface="Arial" panose="020B0604020202020204" pitchFamily="34" charset="0"/>
-            </a:endParaRPr>
-          </a:p>
-          <a:p>
-            <a:pPr>
-              <a:lnSpc>
-                <a:spcPct val="120000"/>
-              </a:lnSpc>
-            </a:pPr>
-            <a:endParaRPr lang="en-US" sz="1500" b="1" dirty="0">
-              <a:solidFill>
-                <a:srgbClr val="7CC6FE"/>
-              </a:solidFill>
-              <a:latin typeface="Lato Black" panose="020F0A02020204030203" pitchFamily="34" charset="0"/>
-              <a:cs typeface="Arial" panose="020B0604020202020204" pitchFamily="34" charset="0"/>
-            </a:endParaRPr>
-          </a:p>
-          <a:p>
-            <a:pPr>
-              <a:lnSpc>
-                <a:spcPct val="120000"/>
-              </a:lnSpc>
-            </a:pPr>
-            <a:endParaRPr lang="en-US" sz="1500" b="1" dirty="0" smtClean="0">
-              <a:solidFill>
-                <a:srgbClr val="7CC6FE"/>
-              </a:solidFill>
-              <a:latin typeface="Lato Black" panose="020F0A02020204030203" pitchFamily="34" charset="0"/>
-              <a:cs typeface="Arial" panose="020B0604020202020204" pitchFamily="34" charset="0"/>
-            </a:endParaRPr>
-          </a:p>
-          <a:p>
-            <a:pPr>
-              <a:lnSpc>
-                <a:spcPct val="120000"/>
-              </a:lnSpc>
-            </a:pPr>
-            <a:endParaRPr lang="en-US" sz="1500" b="1" dirty="0">
-              <a:solidFill>
-                <a:srgbClr val="7CC6FE"/>
-              </a:solidFill>
-              <a:latin typeface="Lato Black" panose="020F0A02020204030203" pitchFamily="34" charset="0"/>
-              <a:cs typeface="Arial" panose="020B0604020202020204" pitchFamily="34" charset="0"/>
-            </a:endParaRPr>
-          </a:p>
-          <a:p>
-            <a:pPr>
-              <a:lnSpc>
-                <a:spcPct val="120000"/>
-              </a:lnSpc>
-            </a:pPr>
-            <a:endParaRPr lang="en-US" sz="1500" b="1" dirty="0" smtClean="0">
-              <a:solidFill>
-                <a:srgbClr val="7CC6FE"/>
-              </a:solidFill>
-              <a:latin typeface="Lato Black" panose="020F0A02020204030203" pitchFamily="34" charset="0"/>
-              <a:cs typeface="Arial" panose="020B0604020202020204" pitchFamily="34" charset="0"/>
-            </a:endParaRPr>
-          </a:p>
-          <a:p>
-            <a:pPr>
-              <a:lnSpc>
-                <a:spcPct val="120000"/>
-              </a:lnSpc>
-            </a:pPr>
-            <a:endParaRPr lang="en-US" sz="1500" b="1" dirty="0">
-              <a:solidFill>
-                <a:srgbClr val="7CC6FE"/>
-              </a:solidFill>
-              <a:latin typeface="Lato Black" panose="020F0A02020204030203" pitchFamily="34" charset="0"/>
-              <a:cs typeface="Arial" panose="020B0604020202020204" pitchFamily="34" charset="0"/>
-            </a:endParaRPr>
-          </a:p>
-          <a:p>
-            <a:pPr>
-              <a:lnSpc>
-                <a:spcPct val="120000"/>
-              </a:lnSpc>
-            </a:pPr>
-            <a:endParaRPr lang="en-US" sz="1500" b="1" dirty="0" smtClean="0">
-              <a:solidFill>
-                <a:srgbClr val="7CC6FE"/>
-              </a:solidFill>
-              <a:latin typeface="Lato Black" panose="020F0A02020204030203" pitchFamily="34" charset="0"/>
-              <a:cs typeface="Arial" panose="020B0604020202020204" pitchFamily="34" charset="0"/>
-            </a:endParaRPr>
-          </a:p>
-          <a:p>
-            <a:pPr>
-              <a:lnSpc>
-                <a:spcPct val="120000"/>
-              </a:lnSpc>
-            </a:pPr>
-            <a:endParaRPr lang="en-US" sz="1500" b="1" dirty="0">
-              <a:solidFill>
-                <a:srgbClr val="7CC6FE"/>
-              </a:solidFill>
-              <a:latin typeface="Lato Black" panose="020F0A02020204030203" pitchFamily="34" charset="0"/>
-              <a:cs typeface="Arial" panose="020B0604020202020204" pitchFamily="34" charset="0"/>
-            </a:endParaRPr>
-          </a:p>
-          <a:p>
-            <a:pPr>
-              <a:lnSpc>
-                <a:spcPct val="120000"/>
-              </a:lnSpc>
-            </a:pPr>
-            <a:endParaRPr lang="en-US" sz="1500" b="1" dirty="0" smtClean="0">
-              <a:solidFill>
-                <a:srgbClr val="7CC6FE"/>
-              </a:solidFill>
-              <a:latin typeface="Lato Black" panose="020F0A02020204030203" pitchFamily="34" charset="0"/>
-              <a:cs typeface="Arial" panose="020B0604020202020204" pitchFamily="34" charset="0"/>
-            </a:endParaRPr>
-          </a:p>
-          <a:p>
-            <a:pPr>
-              <a:lnSpc>
-                <a:spcPct val="120000"/>
-              </a:lnSpc>
-            </a:pPr>
-            <a:endParaRPr lang="en-US" sz="1500" b="1" dirty="0">
-              <a:solidFill>
-                <a:srgbClr val="7CC6FE"/>
-              </a:solidFill>
-              <a:latin typeface="Lato Black" panose="020F0A02020204030203" pitchFamily="34" charset="0"/>
-              <a:cs typeface="Arial" panose="020B0604020202020204" pitchFamily="34" charset="0"/>
-            </a:endParaRPr>
-          </a:p>
-          <a:p>
-            <a:pPr>
-              <a:lnSpc>
-                <a:spcPct val="120000"/>
-              </a:lnSpc>
-            </a:pPr>
-            <a:endParaRPr lang="en-US" sz="1500" b="1" dirty="0" smtClean="0">
-              <a:solidFill>
-                <a:srgbClr val="7CC6FE"/>
-              </a:solidFill>
-              <a:latin typeface="Lato Black" panose="020F0A02020204030203" pitchFamily="34" charset="0"/>
-              <a:cs typeface="Arial" panose="020B0604020202020204" pitchFamily="34" charset="0"/>
-            </a:endParaRPr>
-          </a:p>
-          <a:p>
-            <a:pPr>
-              <a:lnSpc>
-                <a:spcPct val="120000"/>
-              </a:lnSpc>
-            </a:pPr>
-            <a:endParaRPr lang="en-US" sz="1500" b="1" dirty="0">
-              <a:solidFill>
-                <a:srgbClr val="7CC6FE"/>
-              </a:solidFill>
-              <a:latin typeface="Lato Black" panose="020F0A02020204030203" pitchFamily="34" charset="0"/>
-              <a:cs typeface="Arial" panose="020B0604020202020204" pitchFamily="34" charset="0"/>
-            </a:endParaRPr>
-          </a:p>
-          <a:p>
-            <a:pPr>
-              <a:lnSpc>
-                <a:spcPct val="120000"/>
-              </a:lnSpc>
-            </a:pPr>
-            <a:endParaRPr lang="en-US" sz="1500" b="1" dirty="0" smtClean="0">
-              <a:solidFill>
-                <a:srgbClr val="7CC6FE"/>
-              </a:solidFill>
-              <a:latin typeface="Lato Black" panose="020F0A02020204030203" pitchFamily="34" charset="0"/>
-              <a:cs typeface="Arial" panose="020B0604020202020204" pitchFamily="34" charset="0"/>
-            </a:endParaRPr>
-          </a:p>
-          <a:p>
-            <a:pPr>
-              <a:lnSpc>
-                <a:spcPct val="120000"/>
-              </a:lnSpc>
-            </a:pPr>
-            <a:endParaRPr lang="en-US" sz="1500" b="1" dirty="0">
-              <a:solidFill>
-                <a:srgbClr val="7CC6FE"/>
-              </a:solidFill>
-              <a:latin typeface="Lato Black" panose="020F0A02020204030203" pitchFamily="34" charset="0"/>
-              <a:cs typeface="Arial" panose="020B0604020202020204" pitchFamily="34" charset="0"/>
-            </a:endParaRPr>
-          </a:p>
-          <a:p>
-            <a:pPr>
-              <a:lnSpc>
-                <a:spcPct val="120000"/>
-              </a:lnSpc>
-            </a:pPr>
-            <a:endParaRPr lang="en-US" sz="1500" b="1" dirty="0" smtClean="0">
-              <a:solidFill>
-                <a:srgbClr val="7CC6FE"/>
-              </a:solidFill>
-              <a:latin typeface="Lato Black" panose="020F0A02020204030203" pitchFamily="34" charset="0"/>
-              <a:cs typeface="Arial" panose="020B0604020202020204" pitchFamily="34" charset="0"/>
-            </a:endParaRPr>
-          </a:p>
-          <a:p>
-            <a:pPr>
-              <a:lnSpc>
-                <a:spcPct val="120000"/>
-              </a:lnSpc>
-            </a:pPr>
-            <a:endParaRPr lang="en-US" sz="1500" b="1" dirty="0">
-              <a:solidFill>
-                <a:srgbClr val="7CC6FE"/>
-              </a:solidFill>
-              <a:latin typeface="Lato Black" panose="020F0A02020204030203" pitchFamily="34" charset="0"/>
-              <a:cs typeface="Arial" panose="020B0604020202020204" pitchFamily="34" charset="0"/>
-            </a:endParaRPr>
-          </a:p>
-          <a:p>
-            <a:pPr>
-              <a:lnSpc>
-                <a:spcPct val="120000"/>
-              </a:lnSpc>
-            </a:pPr>
-            <a:endParaRPr lang="en-US" sz="1500" b="1" dirty="0" smtClean="0">
-              <a:solidFill>
-                <a:srgbClr val="7CC6FE"/>
-              </a:solidFill>
-              <a:latin typeface="Lato Black" panose="020F0A02020204030203" pitchFamily="34" charset="0"/>
-              <a:cs typeface="Arial" panose="020B0604020202020204" pitchFamily="34" charset="0"/>
-            </a:endParaRPr>
-          </a:p>
-          <a:p>
-            <a:pPr>
-              <a:lnSpc>
-                <a:spcPct val="120000"/>
-              </a:lnSpc>
-            </a:pPr>
-            <a:endParaRPr lang="en-US" sz="1500" b="1" dirty="0">
-              <a:solidFill>
-                <a:srgbClr val="7CC6FE"/>
-              </a:solidFill>
-              <a:latin typeface="Lato Black" panose="020F0A02020204030203" pitchFamily="34" charset="0"/>
-              <a:cs typeface="Arial" panose="020B0604020202020204" pitchFamily="34" charset="0"/>
-            </a:endParaRPr>
-          </a:p>
-          <a:p>
-            <a:pPr>
-              <a:lnSpc>
-                <a:spcPct val="120000"/>
-              </a:lnSpc>
-            </a:pPr>
-            <a:endParaRPr lang="en-US" sz="1500" b="1" dirty="0" smtClean="0">
-              <a:solidFill>
-                <a:srgbClr val="7CC6FE"/>
-              </a:solidFill>
-              <a:latin typeface="Lato Black" panose="020F0A02020204030203" pitchFamily="34" charset="0"/>
-              <a:cs typeface="Arial" panose="020B0604020202020204" pitchFamily="34" charset="0"/>
-            </a:endParaRPr>
-          </a:p>
-          <a:p>
-            <a:pPr>
-              <a:lnSpc>
-                <a:spcPct val="120000"/>
-              </a:lnSpc>
-            </a:pPr>
-            <a:endParaRPr lang="en-US" sz="1500" b="1" dirty="0">
-              <a:solidFill>
-                <a:srgbClr val="7CC6FE"/>
-              </a:solidFill>
-              <a:latin typeface="Lato Black" panose="020F0A02020204030203" pitchFamily="34" charset="0"/>
-              <a:cs typeface="Arial" panose="020B0604020202020204" pitchFamily="34" charset="0"/>
-            </a:endParaRPr>
-          </a:p>
-          <a:p>
-            <a:pPr>
-              <a:lnSpc>
-                <a:spcPct val="120000"/>
-              </a:lnSpc>
-            </a:pPr>
-            <a:endParaRPr lang="en-US" sz="1500" b="1" dirty="0" smtClean="0">
-              <a:solidFill>
-                <a:srgbClr val="7CC6FE"/>
-              </a:solidFill>
-              <a:latin typeface="Lato Black" panose="020F0A02020204030203" pitchFamily="34" charset="0"/>
-              <a:cs typeface="Arial" panose="020B0604020202020204" pitchFamily="34" charset="0"/>
-            </a:endParaRPr>
-          </a:p>
-          <a:p>
-            <a:pPr>
-              <a:lnSpc>
-                <a:spcPct val="120000"/>
-              </a:lnSpc>
-            </a:pPr>
-            <a:endParaRPr lang="en-US" sz="1500" b="1" dirty="0">
-              <a:solidFill>
-                <a:srgbClr val="7CC6FE"/>
-              </a:solidFill>
-              <a:latin typeface="Lato Black" panose="020F0A02020204030203" pitchFamily="34" charset="0"/>
-              <a:cs typeface="Arial" panose="020B0604020202020204" pitchFamily="34" charset="0"/>
-            </a:endParaRPr>
-          </a:p>
-          <a:p>
-            <a:pPr>
-              <a:lnSpc>
-                <a:spcPct val="120000"/>
-              </a:lnSpc>
-            </a:pPr>
-            <a:endParaRPr lang="en-US" sz="1500" b="1" dirty="0" smtClean="0">
-              <a:solidFill>
-                <a:srgbClr val="7CC6FE"/>
-              </a:solidFill>
-              <a:latin typeface="Lato Black" panose="020F0A02020204030203" pitchFamily="34" charset="0"/>
-              <a:cs typeface="Arial" panose="020B0604020202020204" pitchFamily="34" charset="0"/>
-            </a:endParaRPr>
-          </a:p>
-          <a:p>
-            <a:pPr>
-              <a:lnSpc>
-                <a:spcPct val="120000"/>
-              </a:lnSpc>
-            </a:pPr>
-            <a:endParaRPr lang="en-US" sz="1500" b="1" dirty="0">
-              <a:solidFill>
-                <a:srgbClr val="7CC6FE"/>
-              </a:solidFill>
-              <a:latin typeface="Lato Black" panose="020F0A02020204030203" pitchFamily="34" charset="0"/>
-              <a:cs typeface="Arial" panose="020B0604020202020204" pitchFamily="34" charset="0"/>
-            </a:endParaRPr>
-          </a:p>
-          <a:p>
-            <a:pPr>
-              <a:lnSpc>
-                <a:spcPct val="120000"/>
-              </a:lnSpc>
-            </a:pPr>
-            <a:endParaRPr lang="en-US" sz="1500" b="1" dirty="0" smtClean="0">
-              <a:solidFill>
-                <a:srgbClr val="7CC6FE"/>
-              </a:solidFill>
-              <a:latin typeface="Lato Black" panose="020F0A02020204030203" pitchFamily="34" charset="0"/>
-              <a:cs typeface="Arial" panose="020B0604020202020204" pitchFamily="34" charset="0"/>
-            </a:endParaRPr>
-          </a:p>
-          <a:p>
-            <a:pPr>
-              <a:lnSpc>
-                <a:spcPct val="120000"/>
-              </a:lnSpc>
-            </a:pPr>
-            <a:endParaRPr lang="en-US" sz="1500" b="1" dirty="0">
-              <a:solidFill>
-                <a:srgbClr val="7CC6FE"/>
-              </a:solidFill>
-              <a:latin typeface="Lato Black" panose="020F0A02020204030203" pitchFamily="34" charset="0"/>
-              <a:cs typeface="Arial" panose="020B0604020202020204" pitchFamily="34" charset="0"/>
-            </a:endParaRPr>
-          </a:p>
-          <a:p>
-            <a:pPr>
-              <a:lnSpc>
-                <a:spcPct val="120000"/>
-              </a:lnSpc>
-            </a:pPr>
-            <a:endParaRPr lang="en-US" sz="1500" b="1" dirty="0" smtClean="0">
-              <a:solidFill>
-                <a:srgbClr val="7CC6FE"/>
-              </a:solidFill>
-              <a:latin typeface="Lato Black" panose="020F0A02020204030203" pitchFamily="34" charset="0"/>
-              <a:cs typeface="Arial" panose="020B0604020202020204" pitchFamily="34" charset="0"/>
-            </a:endParaRPr>
-          </a:p>
-          <a:p>
-            <a:pPr>
-              <a:lnSpc>
-                <a:spcPct val="120000"/>
-              </a:lnSpc>
-            </a:pPr>
-            <a:endParaRPr lang="en-US" sz="1500" b="1" dirty="0">
-              <a:solidFill>
-                <a:srgbClr val="7CC6FE"/>
-              </a:solidFill>
-              <a:latin typeface="Lato Black" panose="020F0A02020204030203" pitchFamily="34" charset="0"/>
-              <a:cs typeface="Arial" panose="020B0604020202020204" pitchFamily="34" charset="0"/>
-            </a:endParaRPr>
-          </a:p>
-          <a:p>
-            <a:pPr>
-              <a:lnSpc>
-                <a:spcPct val="120000"/>
-              </a:lnSpc>
-            </a:pPr>
-            <a:endParaRPr lang="en-US" sz="1500" b="1" dirty="0" smtClean="0">
-              <a:solidFill>
-                <a:srgbClr val="7CC6FE"/>
-              </a:solidFill>
-              <a:latin typeface="Lato Black" panose="020F0A02020204030203" pitchFamily="34" charset="0"/>
-              <a:cs typeface="Arial" panose="020B0604020202020204" pitchFamily="34" charset="0"/>
-            </a:endParaRPr>
-          </a:p>
-          <a:p>
-            <a:pPr>
-              <a:lnSpc>
-                <a:spcPct val="120000"/>
-              </a:lnSpc>
-            </a:pPr>
-            <a:endParaRPr lang="en-US" sz="1500" b="1" dirty="0">
-              <a:solidFill>
-                <a:srgbClr val="7CC6FE"/>
-              </a:solidFill>
-              <a:latin typeface="Lato Black" panose="020F0A02020204030203" pitchFamily="34" charset="0"/>
-              <a:cs typeface="Arial" panose="020B0604020202020204" pitchFamily="34" charset="0"/>
-            </a:endParaRPr>
-          </a:p>
-          <a:p>
-            <a:pPr>
-              <a:lnSpc>
-                <a:spcPct val="120000"/>
-              </a:lnSpc>
-            </a:pPr>
-            <a:endParaRPr lang="en-US" sz="1500" b="1" dirty="0" smtClean="0">
-              <a:solidFill>
-                <a:srgbClr val="7CC6FE"/>
-              </a:solidFill>
-              <a:latin typeface="Lato Black" panose="020F0A02020204030203" pitchFamily="34" charset="0"/>
-              <a:cs typeface="Arial" panose="020B0604020202020204" pitchFamily="34" charset="0"/>
-            </a:endParaRPr>
-          </a:p>
-          <a:p>
-            <a:pPr>
-              <a:lnSpc>
-                <a:spcPct val="120000"/>
-              </a:lnSpc>
-            </a:pPr>
-            <a:endParaRPr lang="en-US" sz="1500" b="1" dirty="0" smtClean="0">
-              <a:solidFill>
-                <a:srgbClr val="7CC6FE"/>
-              </a:solidFill>
-              <a:latin typeface="Lato Black" panose="020F0A02020204030203" pitchFamily="34" charset="0"/>
-              <a:cs typeface="Arial" panose="020B0604020202020204" pitchFamily="34" charset="0"/>
-            </a:endParaRPr>
-          </a:p>
-          <a:p>
-            <a:pPr>
-              <a:lnSpc>
-                <a:spcPct val="120000"/>
-              </a:lnSpc>
-            </a:pPr>
-            <a:endParaRPr lang="en-US" sz="4800" b="1" dirty="0" smtClean="0">
-              <a:solidFill>
-                <a:srgbClr val="7CC6FE"/>
-              </a:solidFill>
-              <a:latin typeface="Lato Black" panose="020F0A02020204030203" pitchFamily="34" charset="0"/>
-              <a:cs typeface="Arial" panose="020B0604020202020204" pitchFamily="34" charset="0"/>
-            </a:endParaRPr>
-          </a:p>
-          <a:p>
-            <a:pPr>
-              <a:lnSpc>
-                <a:spcPct val="120000"/>
-              </a:lnSpc>
-            </a:pPr>
-            <a:endParaRPr lang="en-US" sz="4800" b="1" dirty="0">
-              <a:solidFill>
-                <a:srgbClr val="7CC6FE"/>
-              </a:solidFill>
-              <a:latin typeface="Lato Black" panose="020F0A02020204030203" pitchFamily="34" charset="0"/>
-              <a:cs typeface="Arial" panose="020B0604020202020204" pitchFamily="34" charset="0"/>
-            </a:endParaRPr>
-          </a:p>
-          <a:p>
-            <a:pPr>
-              <a:lnSpc>
-                <a:spcPct val="120000"/>
-              </a:lnSpc>
-            </a:pPr>
-            <a:r>
-              <a:rPr lang="en-US" sz="4800" b="1" dirty="0" smtClean="0">
-                <a:solidFill>
-                  <a:srgbClr val="7CC6FE"/>
-                </a:solidFill>
-                <a:latin typeface="Lato Black" panose="020F0A02020204030203" pitchFamily="34" charset="0"/>
-                <a:cs typeface="Arial" panose="020B0604020202020204" pitchFamily="34" charset="0"/>
-              </a:rPr>
-              <a:t>COMMUNITIES AND CRIME EXAMPLE</a:t>
-            </a:r>
-          </a:p>
-          <a:p>
-            <a:pPr>
-              <a:lnSpc>
-                <a:spcPct val="120000"/>
-              </a:lnSpc>
-            </a:pPr>
-            <a:endParaRPr lang="en-US" sz="4800" b="1" dirty="0">
-              <a:latin typeface="Lato" panose="020F0502020204030203" pitchFamily="34" charset="0"/>
-              <a:cs typeface="Arial" panose="020B0604020202020204" pitchFamily="34" charset="0"/>
-            </a:endParaRPr>
-          </a:p>
-        </p:txBody>
-      </p:sp>
       <p:pic>
         <p:nvPicPr>
-          <p:cNvPr id="19" name="Picture 18" descr="Screen Shot 2019-11-24 at 2.35.48 PM.jpg"/>
+          <p:cNvPr id="21" name="Picture 20" descr="Screen Shot 2019-11-24 at 2.36.18 PM.jpg"/>
           <p:cNvPicPr>
             <a:picLocks noChangeAspect="1"/>
           </p:cNvPicPr>
@@ -4469,8 +4455,8 @@
         </p:blipFill>
         <p:spPr>
           <a:xfrm>
-            <a:off x="13290550" y="13036549"/>
-            <a:ext cx="17189450" cy="10177323"/>
+            <a:off x="17367249" y="11518901"/>
+            <a:ext cx="12706351" cy="412441"/>
           </a:xfrm>
           <a:prstGeom prst="rect">
             <a:avLst/>
@@ -4479,7 +4465,7 @@
       </p:pic>
       <p:pic>
         <p:nvPicPr>
-          <p:cNvPr id="21" name="Picture 20" descr="Screen Shot 2019-11-24 at 2.36.18 PM.jpg"/>
+          <p:cNvPr id="25" name="Picture 24" descr="Screen Shot 2019-11-24 at 2.39.03 PM.jpg"/>
           <p:cNvPicPr>
             <a:picLocks noChangeAspect="1"/>
           </p:cNvPicPr>
@@ -4499,8 +4485,8 @@
         </p:blipFill>
         <p:spPr>
           <a:xfrm>
-            <a:off x="16503649" y="12636501"/>
-            <a:ext cx="12706351" cy="412441"/>
+            <a:off x="15151099" y="23317199"/>
+            <a:ext cx="15203083" cy="7366001"/>
           </a:xfrm>
           <a:prstGeom prst="rect">
             <a:avLst/>
@@ -4509,7 +4495,7 @@
       </p:pic>
       <p:pic>
         <p:nvPicPr>
-          <p:cNvPr id="25" name="Picture 24" descr="Screen Shot 2019-11-24 at 2.39.03 PM.jpg"/>
+          <p:cNvPr id="7" name="Picture 6" descr="Screen Shot 2019-11-28 at 10.26.48 PM.jpg"/>
           <p:cNvPicPr>
             <a:picLocks noChangeAspect="1"/>
           </p:cNvPicPr>
@@ -4529,14 +4515,131 @@
         </p:blipFill>
         <p:spPr>
           <a:xfrm>
-            <a:off x="14287499" y="24434799"/>
-            <a:ext cx="15203083" cy="7366001"/>
+            <a:off x="3638550" y="30213300"/>
+            <a:ext cx="7962900" cy="2057400"/>
           </a:xfrm>
           <a:prstGeom prst="rect">
             <a:avLst/>
           </a:prstGeom>
         </p:spPr>
       </p:pic>
+      <p:pic>
+        <p:nvPicPr>
+          <p:cNvPr id="8" name="Picture 7" descr="qr-code (4).png"/>
+          <p:cNvPicPr>
+            <a:picLocks noChangeAspect="1"/>
+          </p:cNvPicPr>
+          <p:nvPr/>
+        </p:nvPicPr>
+        <p:blipFill>
+          <a:blip r:embed="rId9">
+            <a:extLst>
+              <a:ext uri="{28A0092B-C50C-407E-A947-70E740481C1C}">
+                <a14:useLocalDpi xmlns:a14="http://schemas.microsoft.com/office/drawing/2010/main" val="0"/>
+              </a:ext>
+            </a:extLst>
+          </a:blip>
+          <a:stretch>
+            <a:fillRect/>
+          </a:stretch>
+        </p:blipFill>
+        <p:spPr>
+          <a:xfrm>
+            <a:off x="25349200" y="32562800"/>
+            <a:ext cx="6553200" cy="6553200"/>
+          </a:xfrm>
+          <a:prstGeom prst="rect">
+            <a:avLst/>
+          </a:prstGeom>
+        </p:spPr>
+      </p:pic>
+      <p:sp>
+        <p:nvSpPr>
+          <p:cNvPr id="23" name="TextBox 22">
+            <a:extLst>
+              <a:ext uri="{FF2B5EF4-FFF2-40B4-BE49-F238E27FC236}">
+                <a16:creationId xmlns="" xmlns:a16="http://schemas.microsoft.com/office/drawing/2014/main" id="{F98AF760-C359-4592-BF1F-0C7A94DA9F89}"/>
+              </a:ext>
+            </a:extLst>
+          </p:cNvPr>
+          <p:cNvSpPr txBox="1"/>
+          <p:nvPr/>
+        </p:nvSpPr>
+        <p:spPr>
+          <a:xfrm>
+            <a:off x="22148800" y="33042846"/>
+            <a:ext cx="3810000" cy="2726900"/>
+          </a:xfrm>
+          <a:prstGeom prst="rect">
+            <a:avLst/>
+          </a:prstGeom>
+          <a:noFill/>
+          <a:ln>
+            <a:noFill/>
+          </a:ln>
+        </p:spPr>
+        <p:txBody>
+          <a:bodyPr wrap="square" rtlCol="0">
+            <a:spAutoFit/>
+          </a:bodyPr>
+          <a:lstStyle/>
+          <a:p>
+            <a:pPr>
+              <a:lnSpc>
+                <a:spcPct val="120000"/>
+              </a:lnSpc>
+            </a:pPr>
+            <a:r>
+              <a:rPr lang="en-US" sz="4800" dirty="0" smtClean="0">
+                <a:solidFill>
+                  <a:schemeClr val="bg1"/>
+                </a:solidFill>
+                <a:latin typeface="Lato" panose="020F0502020204030203" pitchFamily="34" charset="0"/>
+                <a:cs typeface="Arial" panose="020B0604020202020204" pitchFamily="34" charset="0"/>
+              </a:rPr>
+              <a:t>Scan code for </a:t>
+            </a:r>
+            <a:r>
+              <a:rPr lang="en-US" sz="4800" dirty="0" err="1" smtClean="0">
+                <a:solidFill>
+                  <a:schemeClr val="bg1"/>
+                </a:solidFill>
+                <a:latin typeface="Lato" panose="020F0502020204030203" pitchFamily="34" charset="0"/>
+                <a:cs typeface="Arial" panose="020B0604020202020204" pitchFamily="34" charset="0"/>
+              </a:rPr>
+              <a:t>arXiv</a:t>
+            </a:r>
+            <a:r>
+              <a:rPr lang="en-US" sz="4800" dirty="0" smtClean="0">
+                <a:solidFill>
+                  <a:schemeClr val="bg1"/>
+                </a:solidFill>
+                <a:latin typeface="Lato" panose="020F0502020204030203" pitchFamily="34" charset="0"/>
+                <a:cs typeface="Arial" panose="020B0604020202020204" pitchFamily="34" charset="0"/>
+              </a:rPr>
+              <a:t>.</a:t>
+            </a:r>
+            <a:endParaRPr lang="en-US" sz="4800" dirty="0" smtClean="0">
+              <a:solidFill>
+                <a:schemeClr val="bg1"/>
+              </a:solidFill>
+              <a:latin typeface="Lato Black" panose="020F0A02020204030203" pitchFamily="34" charset="0"/>
+              <a:cs typeface="Arial" panose="020B0604020202020204" pitchFamily="34" charset="0"/>
+            </a:endParaRPr>
+          </a:p>
+          <a:p>
+            <a:pPr>
+              <a:lnSpc>
+                <a:spcPct val="120000"/>
+              </a:lnSpc>
+            </a:pPr>
+            <a:endParaRPr lang="en-US" sz="4800" b="1" dirty="0">
+              <a:latin typeface="Lato" panose="020F0502020204030203" pitchFamily="34" charset="0"/>
+              <a:cs typeface="Arial" panose="020B0604020202020204" pitchFamily="34" charset="0"/>
+            </a:endParaRPr>
+          </a:p>
+        </p:txBody>
+      </p:sp>
     </p:spTree>
     <p:extLst>
       <p:ext uri="{BB962C8B-B14F-4D97-AF65-F5344CB8AC3E}">
@@ -4547,6 +4650,13 @@
   <p:clrMapOvr>
     <a:masterClrMapping/>
   </p:clrMapOvr>
+  <p:timing>
+    <p:tnLst>
+      <p:par>
+        <p:cTn xmlns:p14="http://schemas.microsoft.com/office/powerpoint/2010/main" id="1" dur="indefinite" restart="never" nodeType="tmRoot"/>
+      </p:par>
+    </p:tnLst>
+  </p:timing>
 </p:sld>
 </file>
 
@@ -4805,7 +4915,7 @@
   <a:extraClrSchemeLst/>
   <a:extLst>
     <a:ext uri="{05A4C25C-085E-4340-85A3-A5531E510DB2}">
-      <thm15:themeFamily xmlns="" xmlns:thm15="http://schemas.microsoft.com/office/thememl/2012/main" name="Office Theme" id="{62F939B6-93AF-4DB8-9C6B-D6C7DFDC589F}" vid="{4A3C46E8-61CC-4603-A589-7422A47A8E4A}"/>
+      <thm15:themeFamily xmlns:thm15="http://schemas.microsoft.com/office/thememl/2012/main" xmlns="" name="Office Theme" id="{62F939B6-93AF-4DB8-9C6B-D6C7DFDC589F}" vid="{4A3C46E8-61CC-4603-A589-7422A47A8E4A}"/>
     </a:ext>
   </a:extLst>
 </a:theme>
